--- a/Документация/Презентация/Презентация Дикарев ПС-19Б.PPTX
+++ b/Документация/Презентация/Презентация Дикарев ПС-19Б.PPTX
@@ -5,7 +5,7 @@
     <p:sldMasterId id="2147483749" r:id="rId1"/>
   </p:sldMasterIdLst>
   <p:notesMasterIdLst>
-    <p:notesMasterId r:id="rId24"/>
+    <p:notesMasterId r:id="rId25"/>
   </p:notesMasterIdLst>
   <p:sldIdLst>
     <p:sldId id="256" r:id="rId2"/>
@@ -29,7 +29,8 @@
     <p:sldId id="274" r:id="rId20"/>
     <p:sldId id="275" r:id="rId21"/>
     <p:sldId id="276" r:id="rId22"/>
-    <p:sldId id="277" r:id="rId23"/>
+    <p:sldId id="278" r:id="rId23"/>
+    <p:sldId id="277" r:id="rId24"/>
   </p:sldIdLst>
   <p:sldSz cx="9144000" cy="6858000" type="screen4x3"/>
   <p:notesSz cx="6858000" cy="9144000"/>
@@ -230,7 +231,7 @@
             <a:fld id="{6A26A9E4-1529-4367-B8BE-34B6E2449903}" type="datetimeFigureOut">
               <a:rPr lang="ru-RU" smtClean="0"/>
               <a:pPr/>
-              <a:t>06.05.2022</a:t>
+              <a:t>10.05.2022</a:t>
             </a:fld>
             <a:endParaRPr lang="ru-RU"/>
           </a:p>
@@ -965,7 +966,7 @@
             <a:fld id="{0865F621-9F77-409B-87C2-BEAA1C35D7BC}" type="datetimeFigureOut">
               <a:rPr lang="ru-RU" smtClean="0"/>
               <a:pPr/>
-              <a:t>06.05.2022</a:t>
+              <a:t>10.05.2022</a:t>
             </a:fld>
             <a:endParaRPr lang="ru-RU"/>
           </a:p>
@@ -1233,7 +1234,7 @@
             <a:fld id="{0865F621-9F77-409B-87C2-BEAA1C35D7BC}" type="datetimeFigureOut">
               <a:rPr lang="ru-RU" smtClean="0"/>
               <a:pPr/>
-              <a:t>06.05.2022</a:t>
+              <a:t>10.05.2022</a:t>
             </a:fld>
             <a:endParaRPr lang="ru-RU"/>
           </a:p>
@@ -1485,7 +1486,7 @@
             <a:fld id="{0865F621-9F77-409B-87C2-BEAA1C35D7BC}" type="datetimeFigureOut">
               <a:rPr lang="ru-RU" smtClean="0"/>
               <a:pPr/>
-              <a:t>06.05.2022</a:t>
+              <a:t>10.05.2022</a:t>
             </a:fld>
             <a:endParaRPr lang="ru-RU"/>
           </a:p>
@@ -1795,7 +1796,7 @@
             <a:fld id="{0865F621-9F77-409B-87C2-BEAA1C35D7BC}" type="datetimeFigureOut">
               <a:rPr lang="ru-RU" smtClean="0"/>
               <a:pPr/>
-              <a:t>06.05.2022</a:t>
+              <a:t>10.05.2022</a:t>
             </a:fld>
             <a:endParaRPr lang="ru-RU"/>
           </a:p>
@@ -2115,7 +2116,7 @@
             <a:fld id="{0865F621-9F77-409B-87C2-BEAA1C35D7BC}" type="datetimeFigureOut">
               <a:rPr lang="ru-RU" smtClean="0"/>
               <a:pPr/>
-              <a:t>06.05.2022</a:t>
+              <a:t>10.05.2022</a:t>
             </a:fld>
             <a:endParaRPr lang="ru-RU"/>
           </a:p>
@@ -2419,7 +2420,7 @@
             <a:fld id="{0865F621-9F77-409B-87C2-BEAA1C35D7BC}" type="datetimeFigureOut">
               <a:rPr lang="ru-RU" smtClean="0"/>
               <a:pPr/>
-              <a:t>06.05.2022</a:t>
+              <a:t>10.05.2022</a:t>
             </a:fld>
             <a:endParaRPr lang="ru-RU"/>
           </a:p>
@@ -2788,7 +2789,7 @@
             <a:fld id="{0865F621-9F77-409B-87C2-BEAA1C35D7BC}" type="datetimeFigureOut">
               <a:rPr lang="ru-RU" smtClean="0"/>
               <a:pPr/>
-              <a:t>06.05.2022</a:t>
+              <a:t>10.05.2022</a:t>
             </a:fld>
             <a:endParaRPr lang="ru-RU"/>
           </a:p>
@@ -2976,7 +2977,7 @@
             <a:fld id="{0865F621-9F77-409B-87C2-BEAA1C35D7BC}" type="datetimeFigureOut">
               <a:rPr lang="ru-RU" smtClean="0"/>
               <a:pPr/>
-              <a:t>06.05.2022</a:t>
+              <a:t>10.05.2022</a:t>
             </a:fld>
             <a:endParaRPr lang="ru-RU"/>
           </a:p>
@@ -3164,7 +3165,7 @@
             <a:fld id="{0865F621-9F77-409B-87C2-BEAA1C35D7BC}" type="datetimeFigureOut">
               <a:rPr lang="ru-RU" smtClean="0"/>
               <a:pPr/>
-              <a:t>06.05.2022</a:t>
+              <a:t>10.05.2022</a:t>
             </a:fld>
             <a:endParaRPr lang="ru-RU"/>
           </a:p>
@@ -3346,7 +3347,7 @@
             <a:fld id="{0865F621-9F77-409B-87C2-BEAA1C35D7BC}" type="datetimeFigureOut">
               <a:rPr lang="ru-RU" smtClean="0"/>
               <a:pPr/>
-              <a:t>06.05.2022</a:t>
+              <a:t>10.05.2022</a:t>
             </a:fld>
             <a:endParaRPr lang="ru-RU"/>
           </a:p>
@@ -3598,7 +3599,7 @@
             <a:fld id="{0865F621-9F77-409B-87C2-BEAA1C35D7BC}" type="datetimeFigureOut">
               <a:rPr lang="ru-RU" smtClean="0"/>
               <a:pPr/>
-              <a:t>06.05.2022</a:t>
+              <a:t>10.05.2022</a:t>
             </a:fld>
             <a:endParaRPr lang="ru-RU"/>
           </a:p>
@@ -3847,7 +3848,7 @@
             <a:fld id="{0865F621-9F77-409B-87C2-BEAA1C35D7BC}" type="datetimeFigureOut">
               <a:rPr lang="ru-RU" smtClean="0"/>
               <a:pPr/>
-              <a:t>06.05.2022</a:t>
+              <a:t>10.05.2022</a:t>
             </a:fld>
             <a:endParaRPr lang="ru-RU"/>
           </a:p>
@@ -4238,7 +4239,7 @@
             <a:fld id="{0865F621-9F77-409B-87C2-BEAA1C35D7BC}" type="datetimeFigureOut">
               <a:rPr lang="ru-RU" smtClean="0"/>
               <a:pPr/>
-              <a:t>06.05.2022</a:t>
+              <a:t>10.05.2022</a:t>
             </a:fld>
             <a:endParaRPr lang="ru-RU"/>
           </a:p>
@@ -4369,7 +4370,7 @@
             <a:fld id="{0865F621-9F77-409B-87C2-BEAA1C35D7BC}" type="datetimeFigureOut">
               <a:rPr lang="ru-RU" smtClean="0"/>
               <a:pPr/>
-              <a:t>06.05.2022</a:t>
+              <a:t>10.05.2022</a:t>
             </a:fld>
             <a:endParaRPr lang="ru-RU"/>
           </a:p>
@@ -4466,7 +4467,7 @@
             <a:fld id="{0865F621-9F77-409B-87C2-BEAA1C35D7BC}" type="datetimeFigureOut">
               <a:rPr lang="ru-RU" smtClean="0"/>
               <a:pPr/>
-              <a:t>06.05.2022</a:t>
+              <a:t>10.05.2022</a:t>
             </a:fld>
             <a:endParaRPr lang="ru-RU"/>
           </a:p>
@@ -4723,7 +4724,7 @@
             <a:fld id="{0865F621-9F77-409B-87C2-BEAA1C35D7BC}" type="datetimeFigureOut">
               <a:rPr lang="ru-RU" smtClean="0"/>
               <a:pPr/>
-              <a:t>06.05.2022</a:t>
+              <a:t>10.05.2022</a:t>
             </a:fld>
             <a:endParaRPr lang="ru-RU"/>
           </a:p>
@@ -5008,7 +5009,7 @@
             <a:fld id="{0865F621-9F77-409B-87C2-BEAA1C35D7BC}" type="datetimeFigureOut">
               <a:rPr lang="ru-RU" smtClean="0"/>
               <a:pPr/>
-              <a:t>06.05.2022</a:t>
+              <a:t>10.05.2022</a:t>
             </a:fld>
             <a:endParaRPr lang="ru-RU"/>
           </a:p>
@@ -5421,7 +5422,7 @@
             <a:fld id="{0865F621-9F77-409B-87C2-BEAA1C35D7BC}" type="datetimeFigureOut">
               <a:rPr lang="ru-RU" smtClean="0"/>
               <a:pPr/>
-              <a:t>06.05.2022</a:t>
+              <a:t>10.05.2022</a:t>
             </a:fld>
             <a:endParaRPr lang="ru-RU"/>
           </a:p>
@@ -6933,10 +6934,10 @@
       </p:sp>
       <p:pic>
         <p:nvPicPr>
-          <p:cNvPr id="3" name="Рисунок 2">
+          <p:cNvPr id="5" name="Рисунок 4">
             <a:extLst>
               <a:ext uri="{FF2B5EF4-FFF2-40B4-BE49-F238E27FC236}">
-                <a16:creationId xmlns:a16="http://schemas.microsoft.com/office/drawing/2014/main" id="{AD72E769-78C5-4026-83B2-E416F31FBCEA}"/>
+                <a16:creationId xmlns:a16="http://schemas.microsoft.com/office/drawing/2014/main" id="{230D57AA-61DD-45D9-BDFE-45D3EFDA1D85}"/>
               </a:ext>
             </a:extLst>
           </p:cNvPr>
@@ -6953,8 +6954,8 @@
         </p:blipFill>
         <p:spPr>
           <a:xfrm>
-            <a:off x="2177767" y="1654812"/>
-            <a:ext cx="4788465" cy="3548375"/>
+            <a:off x="2695575" y="2009775"/>
+            <a:ext cx="3752850" cy="2838450"/>
           </a:xfrm>
           <a:prstGeom prst="rect">
             <a:avLst/>
@@ -7026,10 +7027,10 @@
       </p:sp>
       <p:pic>
         <p:nvPicPr>
-          <p:cNvPr id="7" name="Рисунок 6">
+          <p:cNvPr id="3" name="Рисунок 2">
             <a:extLst>
               <a:ext uri="{FF2B5EF4-FFF2-40B4-BE49-F238E27FC236}">
-                <a16:creationId xmlns:a16="http://schemas.microsoft.com/office/drawing/2014/main" id="{E370C26F-29C6-4331-AF4B-B681F1BBEF31}"/>
+                <a16:creationId xmlns:a16="http://schemas.microsoft.com/office/drawing/2014/main" id="{3CF17BC1-FC04-4ED1-9B93-47F0128AE04E}"/>
               </a:ext>
             </a:extLst>
           </p:cNvPr>
@@ -7046,8 +7047,8 @@
         </p:blipFill>
         <p:spPr>
           <a:xfrm>
-            <a:off x="1319212" y="1790700"/>
-            <a:ext cx="6505575" cy="5067300"/>
+            <a:off x="1323975" y="1195387"/>
+            <a:ext cx="6496050" cy="4467225"/>
           </a:xfrm>
           <a:prstGeom prst="rect">
             <a:avLst/>
@@ -7117,36 +7118,6 @@
           </a:p>
         </p:txBody>
       </p:sp>
-      <p:pic>
-        <p:nvPicPr>
-          <p:cNvPr id="3" name="Рисунок 2">
-            <a:extLst>
-              <a:ext uri="{FF2B5EF4-FFF2-40B4-BE49-F238E27FC236}">
-                <a16:creationId xmlns:a16="http://schemas.microsoft.com/office/drawing/2014/main" id="{5375AA58-1536-43BF-A9DF-66D87BFECC23}"/>
-              </a:ext>
-            </a:extLst>
-          </p:cNvPr>
-          <p:cNvPicPr>
-            <a:picLocks noChangeAspect="1"/>
-          </p:cNvPicPr>
-          <p:nvPr/>
-        </p:nvPicPr>
-        <p:blipFill>
-          <a:blip r:embed="rId2"/>
-          <a:stretch>
-            <a:fillRect/>
-          </a:stretch>
-        </p:blipFill>
-        <p:spPr>
-          <a:xfrm>
-            <a:off x="1302707" y="1525324"/>
-            <a:ext cx="6538586" cy="3807352"/>
-          </a:xfrm>
-          <a:prstGeom prst="rect">
-            <a:avLst/>
-          </a:prstGeom>
-        </p:spPr>
-      </p:pic>
     </p:spTree>
     <p:extLst>
       <p:ext uri="{BB962C8B-B14F-4D97-AF65-F5344CB8AC3E}">
@@ -7210,36 +7181,6 @@
           </a:p>
         </p:txBody>
       </p:sp>
-      <p:pic>
-        <p:nvPicPr>
-          <p:cNvPr id="3" name="Рисунок 2">
-            <a:extLst>
-              <a:ext uri="{FF2B5EF4-FFF2-40B4-BE49-F238E27FC236}">
-                <a16:creationId xmlns:a16="http://schemas.microsoft.com/office/drawing/2014/main" id="{C2C431A4-9ABB-407A-97EE-F2D73ACBAFE6}"/>
-              </a:ext>
-            </a:extLst>
-          </p:cNvPr>
-          <p:cNvPicPr>
-            <a:picLocks noChangeAspect="1"/>
-          </p:cNvPicPr>
-          <p:nvPr/>
-        </p:nvPicPr>
-        <p:blipFill>
-          <a:blip r:embed="rId2"/>
-          <a:stretch>
-            <a:fillRect/>
-          </a:stretch>
-        </p:blipFill>
-        <p:spPr>
-          <a:xfrm>
-            <a:off x="1572016" y="1755294"/>
-            <a:ext cx="5999967" cy="3774525"/>
-          </a:xfrm>
-          <a:prstGeom prst="rect">
-            <a:avLst/>
-          </a:prstGeom>
-        </p:spPr>
-      </p:pic>
     </p:spTree>
     <p:extLst>
       <p:ext uri="{BB962C8B-B14F-4D97-AF65-F5344CB8AC3E}">
@@ -7366,36 +7307,6 @@
           </a:p>
         </p:txBody>
       </p:sp>
-      <p:pic>
-        <p:nvPicPr>
-          <p:cNvPr id="3" name="Рисунок 2">
-            <a:extLst>
-              <a:ext uri="{FF2B5EF4-FFF2-40B4-BE49-F238E27FC236}">
-                <a16:creationId xmlns:a16="http://schemas.microsoft.com/office/drawing/2014/main" id="{6A9B45B9-49EE-48E8-B060-38C65D0BE736}"/>
-              </a:ext>
-            </a:extLst>
-          </p:cNvPr>
-          <p:cNvPicPr>
-            <a:picLocks noChangeAspect="1"/>
-          </p:cNvPicPr>
-          <p:nvPr/>
-        </p:nvPicPr>
-        <p:blipFill>
-          <a:blip r:embed="rId2"/>
-          <a:stretch>
-            <a:fillRect/>
-          </a:stretch>
-        </p:blipFill>
-        <p:spPr>
-          <a:xfrm>
-            <a:off x="1290637" y="1375384"/>
-            <a:ext cx="6562725" cy="4933950"/>
-          </a:xfrm>
-          <a:prstGeom prst="rect">
-            <a:avLst/>
-          </a:prstGeom>
-        </p:spPr>
-      </p:pic>
     </p:spTree>
     <p:extLst>
       <p:ext uri="{BB962C8B-B14F-4D97-AF65-F5344CB8AC3E}">
@@ -7745,10 +7656,10 @@
       </p:sp>
       <p:pic>
         <p:nvPicPr>
-          <p:cNvPr id="3" name="Рисунок 2">
+          <p:cNvPr id="5" name="Рисунок 4">
             <a:extLst>
               <a:ext uri="{FF2B5EF4-FFF2-40B4-BE49-F238E27FC236}">
-                <a16:creationId xmlns:a16="http://schemas.microsoft.com/office/drawing/2014/main" id="{A743DA47-566A-4D22-B418-06C1B06BE39F}"/>
+                <a16:creationId xmlns:a16="http://schemas.microsoft.com/office/drawing/2014/main" id="{E260A34F-5641-4148-B4A0-2B81C40E1657}"/>
               </a:ext>
             </a:extLst>
           </p:cNvPr>
@@ -7765,8 +7676,8 @@
         </p:blipFill>
         <p:spPr>
           <a:xfrm>
-            <a:off x="3286125" y="1985962"/>
-            <a:ext cx="2571750" cy="2886075"/>
+            <a:off x="1497234" y="1357831"/>
+            <a:ext cx="6149531" cy="4142337"/>
           </a:xfrm>
           <a:prstGeom prst="rect">
             <a:avLst/>
@@ -7787,6 +7698,99 @@
 </file>
 
 <file path=ppt/slides/slide22.xml><?xml version="1.0" encoding="utf-8"?>
+<p:sld xmlns:a="http://schemas.openxmlformats.org/drawingml/2006/main" xmlns:r="http://schemas.openxmlformats.org/officeDocument/2006/relationships" xmlns:p="http://schemas.openxmlformats.org/presentationml/2006/main">
+  <p:cSld>
+    <p:spTree>
+      <p:nvGrpSpPr>
+        <p:cNvPr id="1" name=""/>
+        <p:cNvGrpSpPr/>
+        <p:nvPr/>
+      </p:nvGrpSpPr>
+      <p:grpSpPr>
+        <a:xfrm>
+          <a:off x="0" y="0"/>
+          <a:ext cx="0" cy="0"/>
+          <a:chOff x="0" y="0"/>
+          <a:chExt cx="0" cy="0"/>
+        </a:xfrm>
+      </p:grpSpPr>
+      <p:sp>
+        <p:nvSpPr>
+          <p:cNvPr id="4" name="Заголовок 1"/>
+          <p:cNvSpPr>
+            <a:spLocks noGrp="1"/>
+          </p:cNvSpPr>
+          <p:nvPr>
+            <p:ph type="title"/>
+          </p:nvPr>
+        </p:nvSpPr>
+        <p:spPr>
+          <a:xfrm>
+            <a:off x="146474" y="164853"/>
+            <a:ext cx="8686800" cy="936104"/>
+          </a:xfrm>
+        </p:spPr>
+        <p:txBody>
+          <a:bodyPr>
+            <a:normAutofit/>
+          </a:bodyPr>
+          <a:lstStyle/>
+          <a:p>
+            <a:pPr algn="ctr"/>
+            <a:r>
+              <a:rPr lang="ru-RU" sz="4400" b="1" cap="none" dirty="0">
+                <a:latin typeface="Times New Roman" pitchFamily="18" charset="0"/>
+                <a:cs typeface="Times New Roman" pitchFamily="18" charset="0"/>
+              </a:rPr>
+              <a:t>Программные модули</a:t>
+            </a:r>
+          </a:p>
+        </p:txBody>
+      </p:sp>
+      <p:pic>
+        <p:nvPicPr>
+          <p:cNvPr id="3" name="Рисунок 2">
+            <a:extLst>
+              <a:ext uri="{FF2B5EF4-FFF2-40B4-BE49-F238E27FC236}">
+                <a16:creationId xmlns:a16="http://schemas.microsoft.com/office/drawing/2014/main" id="{2A43E195-BECA-458B-9152-4F52E766C8F2}"/>
+              </a:ext>
+            </a:extLst>
+          </p:cNvPr>
+          <p:cNvPicPr>
+            <a:picLocks noChangeAspect="1"/>
+          </p:cNvPicPr>
+          <p:nvPr/>
+        </p:nvPicPr>
+        <p:blipFill>
+          <a:blip r:embed="rId2"/>
+          <a:stretch>
+            <a:fillRect/>
+          </a:stretch>
+        </p:blipFill>
+        <p:spPr>
+          <a:xfrm>
+            <a:off x="1633537" y="1543050"/>
+            <a:ext cx="5876925" cy="3771900"/>
+          </a:xfrm>
+          <a:prstGeom prst="rect">
+            <a:avLst/>
+          </a:prstGeom>
+        </p:spPr>
+      </p:pic>
+    </p:spTree>
+    <p:extLst>
+      <p:ext uri="{BB962C8B-B14F-4D97-AF65-F5344CB8AC3E}">
+        <p14:creationId xmlns:p14="http://schemas.microsoft.com/office/powerpoint/2010/main" val="3741646392"/>
+      </p:ext>
+    </p:extLst>
+  </p:cSld>
+  <p:clrMapOvr>
+    <a:masterClrMapping/>
+  </p:clrMapOvr>
+</p:sld>
+</file>
+
+<file path=ppt/slides/slide23.xml><?xml version="1.0" encoding="utf-8"?>
 <p:sld xmlns:a="http://schemas.openxmlformats.org/drawingml/2006/main" xmlns:r="http://schemas.openxmlformats.org/officeDocument/2006/relationships" xmlns:p="http://schemas.openxmlformats.org/presentationml/2006/main">
   <p:cSld>
     <p:spTree>

--- a/Документация/Презентация/Презентация Дикарев ПС-19Б.PPTX
+++ b/Документация/Презентация/Презентация Дикарев ПС-19Б.PPTX
@@ -2,7 +2,7 @@
 <file path=ppt/presentation.xml><?xml version="1.0" encoding="utf-8"?>
 <p:presentation xmlns:a="http://schemas.openxmlformats.org/drawingml/2006/main" xmlns:r="http://schemas.openxmlformats.org/officeDocument/2006/relationships" xmlns:p="http://schemas.openxmlformats.org/presentationml/2006/main" saveSubsetFonts="1">
   <p:sldMasterIdLst>
-    <p:sldMasterId id="2147483749" r:id="rId1"/>
+    <p:sldMasterId id="2147483893" r:id="rId1"/>
   </p:sldMasterIdLst>
   <p:notesMasterIdLst>
     <p:notesMasterId r:id="rId25"/>
@@ -36,9 +36,9 @@
   <p:notesSz cx="6858000" cy="9144000"/>
   <p:defaultTextStyle>
     <a:defPPr>
-      <a:defRPr lang="ru-RU"/>
+      <a:defRPr lang="en-US"/>
     </a:defPPr>
-    <a:lvl1pPr marL="0" algn="l" defTabSz="914400" rtl="0" eaLnBrk="1" latinLnBrk="0" hangingPunct="1">
+    <a:lvl1pPr marL="0" algn="l" defTabSz="457200" rtl="0" eaLnBrk="1" latinLnBrk="0" hangingPunct="1">
       <a:defRPr sz="1800" kern="1200">
         <a:solidFill>
           <a:schemeClr val="tx1"/>
@@ -48,7 +48,7 @@
         <a:cs typeface="+mn-cs"/>
       </a:defRPr>
     </a:lvl1pPr>
-    <a:lvl2pPr marL="457200" algn="l" defTabSz="914400" rtl="0" eaLnBrk="1" latinLnBrk="0" hangingPunct="1">
+    <a:lvl2pPr marL="457200" algn="l" defTabSz="457200" rtl="0" eaLnBrk="1" latinLnBrk="0" hangingPunct="1">
       <a:defRPr sz="1800" kern="1200">
         <a:solidFill>
           <a:schemeClr val="tx1"/>
@@ -58,7 +58,7 @@
         <a:cs typeface="+mn-cs"/>
       </a:defRPr>
     </a:lvl2pPr>
-    <a:lvl3pPr marL="914400" algn="l" defTabSz="914400" rtl="0" eaLnBrk="1" latinLnBrk="0" hangingPunct="1">
+    <a:lvl3pPr marL="914400" algn="l" defTabSz="457200" rtl="0" eaLnBrk="1" latinLnBrk="0" hangingPunct="1">
       <a:defRPr sz="1800" kern="1200">
         <a:solidFill>
           <a:schemeClr val="tx1"/>
@@ -68,7 +68,7 @@
         <a:cs typeface="+mn-cs"/>
       </a:defRPr>
     </a:lvl3pPr>
-    <a:lvl4pPr marL="1371600" algn="l" defTabSz="914400" rtl="0" eaLnBrk="1" latinLnBrk="0" hangingPunct="1">
+    <a:lvl4pPr marL="1371600" algn="l" defTabSz="457200" rtl="0" eaLnBrk="1" latinLnBrk="0" hangingPunct="1">
       <a:defRPr sz="1800" kern="1200">
         <a:solidFill>
           <a:schemeClr val="tx1"/>
@@ -78,7 +78,7 @@
         <a:cs typeface="+mn-cs"/>
       </a:defRPr>
     </a:lvl4pPr>
-    <a:lvl5pPr marL="1828800" algn="l" defTabSz="914400" rtl="0" eaLnBrk="1" latinLnBrk="0" hangingPunct="1">
+    <a:lvl5pPr marL="1828800" algn="l" defTabSz="457200" rtl="0" eaLnBrk="1" latinLnBrk="0" hangingPunct="1">
       <a:defRPr sz="1800" kern="1200">
         <a:solidFill>
           <a:schemeClr val="tx1"/>
@@ -88,7 +88,7 @@
         <a:cs typeface="+mn-cs"/>
       </a:defRPr>
     </a:lvl5pPr>
-    <a:lvl6pPr marL="2286000" algn="l" defTabSz="914400" rtl="0" eaLnBrk="1" latinLnBrk="0" hangingPunct="1">
+    <a:lvl6pPr marL="2286000" algn="l" defTabSz="457200" rtl="0" eaLnBrk="1" latinLnBrk="0" hangingPunct="1">
       <a:defRPr sz="1800" kern="1200">
         <a:solidFill>
           <a:schemeClr val="tx1"/>
@@ -98,7 +98,7 @@
         <a:cs typeface="+mn-cs"/>
       </a:defRPr>
     </a:lvl6pPr>
-    <a:lvl7pPr marL="2743200" algn="l" defTabSz="914400" rtl="0" eaLnBrk="1" latinLnBrk="0" hangingPunct="1">
+    <a:lvl7pPr marL="2743200" algn="l" defTabSz="457200" rtl="0" eaLnBrk="1" latinLnBrk="0" hangingPunct="1">
       <a:defRPr sz="1800" kern="1200">
         <a:solidFill>
           <a:schemeClr val="tx1"/>
@@ -108,7 +108,7 @@
         <a:cs typeface="+mn-cs"/>
       </a:defRPr>
     </a:lvl7pPr>
-    <a:lvl8pPr marL="3200400" algn="l" defTabSz="914400" rtl="0" eaLnBrk="1" latinLnBrk="0" hangingPunct="1">
+    <a:lvl8pPr marL="3200400" algn="l" defTabSz="457200" rtl="0" eaLnBrk="1" latinLnBrk="0" hangingPunct="1">
       <a:defRPr sz="1800" kern="1200">
         <a:solidFill>
           <a:schemeClr val="tx1"/>
@@ -118,7 +118,7 @@
         <a:cs typeface="+mn-cs"/>
       </a:defRPr>
     </a:lvl8pPr>
-    <a:lvl9pPr marL="3657600" algn="l" defTabSz="914400" rtl="0" eaLnBrk="1" latinLnBrk="0" hangingPunct="1">
+    <a:lvl9pPr marL="3657600" algn="l" defTabSz="457200" rtl="0" eaLnBrk="1" latinLnBrk="0" hangingPunct="1">
       <a:defRPr sz="1800" kern="1200">
         <a:solidFill>
           <a:schemeClr val="tx1"/>
@@ -231,7 +231,7 @@
             <a:fld id="{6A26A9E4-1529-4367-B8BE-34B6E2449903}" type="datetimeFigureOut">
               <a:rPr lang="ru-RU" smtClean="0"/>
               <a:pPr/>
-              <a:t>10.05.2022</a:t>
+              <a:t>11.05.2022</a:t>
             </a:fld>
             <a:endParaRPr lang="ru-RU"/>
           </a:p>
@@ -585,7 +585,7 @@
 </file>
 
 <file path=ppt/slideLayouts/slideLayout1.xml><?xml version="1.0" encoding="utf-8"?>
-<p:sldLayout xmlns:a="http://schemas.openxmlformats.org/drawingml/2006/main" xmlns:r="http://schemas.openxmlformats.org/officeDocument/2006/relationships" xmlns:p="http://schemas.openxmlformats.org/presentationml/2006/main" showMasterSp="0" type="title" preserve="1">
+<p:sldLayout xmlns:a="http://schemas.openxmlformats.org/drawingml/2006/main" xmlns:r="http://schemas.openxmlformats.org/officeDocument/2006/relationships" xmlns:p="http://schemas.openxmlformats.org/presentationml/2006/main" type="title" preserve="1">
   <p:cSld name="Титульный слайд">
     <p:spTree>
       <p:nvGrpSpPr>
@@ -853,7 +853,7 @@
               <a:defRPr sz="2000">
                 <a:solidFill>
                   <a:schemeClr val="bg2">
-                    <a:lumMod val="75000"/>
+                    <a:lumMod val="50000"/>
                   </a:schemeClr>
                 </a:solidFill>
               </a:defRPr>
@@ -966,7 +966,7 @@
             <a:fld id="{0865F621-9F77-409B-87C2-BEAA1C35D7BC}" type="datetimeFigureOut">
               <a:rPr lang="ru-RU" smtClean="0"/>
               <a:pPr/>
-              <a:t>10.05.2022</a:t>
+              <a:t>11.05.2022</a:t>
             </a:fld>
             <a:endParaRPr lang="ru-RU"/>
           </a:p>
@@ -1018,7 +1018,7 @@
     </p:spTree>
     <p:extLst>
       <p:ext uri="{BB962C8B-B14F-4D97-AF65-F5344CB8AC3E}">
-        <p14:creationId xmlns:p14="http://schemas.microsoft.com/office/powerpoint/2010/main" val="3213588907"/>
+        <p14:creationId xmlns:p14="http://schemas.microsoft.com/office/powerpoint/2010/main" val="2449770288"/>
       </p:ext>
     </p:extLst>
   </p:cSld>
@@ -1234,7 +1234,7 @@
             <a:fld id="{0865F621-9F77-409B-87C2-BEAA1C35D7BC}" type="datetimeFigureOut">
               <a:rPr lang="ru-RU" smtClean="0"/>
               <a:pPr/>
-              <a:t>10.05.2022</a:t>
+              <a:t>11.05.2022</a:t>
             </a:fld>
             <a:endParaRPr lang="ru-RU"/>
           </a:p>
@@ -1286,7 +1286,7 @@
     </p:spTree>
     <p:extLst>
       <p:ext uri="{BB962C8B-B14F-4D97-AF65-F5344CB8AC3E}">
-        <p14:creationId xmlns:p14="http://schemas.microsoft.com/office/powerpoint/2010/main" val="3925283577"/>
+        <p14:creationId xmlns:p14="http://schemas.microsoft.com/office/powerpoint/2010/main" val="1739194551"/>
       </p:ext>
     </p:extLst>
   </p:cSld>
@@ -1373,7 +1373,7 @@
               <a:defRPr sz="1800">
                 <a:solidFill>
                   <a:schemeClr val="bg2">
-                    <a:lumMod val="75000"/>
+                    <a:lumMod val="50000"/>
                   </a:schemeClr>
                 </a:solidFill>
               </a:defRPr>
@@ -1486,7 +1486,7 @@
             <a:fld id="{0865F621-9F77-409B-87C2-BEAA1C35D7BC}" type="datetimeFigureOut">
               <a:rPr lang="ru-RU" smtClean="0"/>
               <a:pPr/>
-              <a:t>10.05.2022</a:t>
+              <a:t>11.05.2022</a:t>
             </a:fld>
             <a:endParaRPr lang="ru-RU"/>
           </a:p>
@@ -1538,7 +1538,7 @@
     </p:spTree>
     <p:extLst>
       <p:ext uri="{BB962C8B-B14F-4D97-AF65-F5344CB8AC3E}">
-        <p14:creationId xmlns:p14="http://schemas.microsoft.com/office/powerpoint/2010/main" val="2067232403"/>
+        <p14:creationId xmlns:p14="http://schemas.microsoft.com/office/powerpoint/2010/main" val="3898714206"/>
       </p:ext>
     </p:extLst>
   </p:cSld>
@@ -1683,7 +1683,7 @@
               <a:defRPr sz="2000">
                 <a:solidFill>
                   <a:schemeClr val="bg2">
-                    <a:lumMod val="75000"/>
+                    <a:lumMod val="50000"/>
                   </a:schemeClr>
                 </a:solidFill>
               </a:defRPr>
@@ -1796,7 +1796,7 @@
             <a:fld id="{0865F621-9F77-409B-87C2-BEAA1C35D7BC}" type="datetimeFigureOut">
               <a:rPr lang="ru-RU" smtClean="0"/>
               <a:pPr/>
-              <a:t>10.05.2022</a:t>
+              <a:t>11.05.2022</a:t>
             </a:fld>
             <a:endParaRPr lang="ru-RU"/>
           </a:p>
@@ -1916,7 +1916,7 @@
     </p:spTree>
     <p:extLst>
       <p:ext uri="{BB962C8B-B14F-4D97-AF65-F5344CB8AC3E}">
-        <p14:creationId xmlns:p14="http://schemas.microsoft.com/office/powerpoint/2010/main" val="3091191151"/>
+        <p14:creationId xmlns:p14="http://schemas.microsoft.com/office/powerpoint/2010/main" val="2455033264"/>
       </p:ext>
     </p:extLst>
   </p:cSld>
@@ -2003,7 +2003,7 @@
               <a:defRPr sz="1800">
                 <a:solidFill>
                   <a:schemeClr val="bg2">
-                    <a:lumMod val="75000"/>
+                    <a:lumMod val="50000"/>
                   </a:schemeClr>
                 </a:solidFill>
               </a:defRPr>
@@ -2116,7 +2116,7 @@
             <a:fld id="{0865F621-9F77-409B-87C2-BEAA1C35D7BC}" type="datetimeFigureOut">
               <a:rPr lang="ru-RU" smtClean="0"/>
               <a:pPr/>
-              <a:t>10.05.2022</a:t>
+              <a:t>11.05.2022</a:t>
             </a:fld>
             <a:endParaRPr lang="ru-RU"/>
           </a:p>
@@ -2168,7 +2168,7 @@
     </p:spTree>
     <p:extLst>
       <p:ext uri="{BB962C8B-B14F-4D97-AF65-F5344CB8AC3E}">
-        <p14:creationId xmlns:p14="http://schemas.microsoft.com/office/powerpoint/2010/main" val="1624518417"/>
+        <p14:creationId xmlns:p14="http://schemas.microsoft.com/office/powerpoint/2010/main" val="1332975896"/>
       </p:ext>
     </p:extLst>
   </p:cSld>
@@ -2307,7 +2307,7 @@
               <a:defRPr sz="1800">
                 <a:solidFill>
                   <a:schemeClr val="bg2">
-                    <a:lumMod val="75000"/>
+                    <a:lumMod val="50000"/>
                   </a:schemeClr>
                 </a:solidFill>
               </a:defRPr>
@@ -2420,7 +2420,7 @@
             <a:fld id="{0865F621-9F77-409B-87C2-BEAA1C35D7BC}" type="datetimeFigureOut">
               <a:rPr lang="ru-RU" smtClean="0"/>
               <a:pPr/>
-              <a:t>10.05.2022</a:t>
+              <a:t>11.05.2022</a:t>
             </a:fld>
             <a:endParaRPr lang="ru-RU"/>
           </a:p>
@@ -2540,7 +2540,7 @@
     </p:spTree>
     <p:extLst>
       <p:ext uri="{BB962C8B-B14F-4D97-AF65-F5344CB8AC3E}">
-        <p14:creationId xmlns:p14="http://schemas.microsoft.com/office/powerpoint/2010/main" val="726674244"/>
+        <p14:creationId xmlns:p14="http://schemas.microsoft.com/office/powerpoint/2010/main" val="2415635225"/>
       </p:ext>
     </p:extLst>
   </p:cSld>
@@ -2676,7 +2676,7 @@
               <a:defRPr sz="1800">
                 <a:solidFill>
                   <a:schemeClr val="bg2">
-                    <a:lumMod val="75000"/>
+                    <a:lumMod val="50000"/>
                   </a:schemeClr>
                 </a:solidFill>
               </a:defRPr>
@@ -2789,7 +2789,7 @@
             <a:fld id="{0865F621-9F77-409B-87C2-BEAA1C35D7BC}" type="datetimeFigureOut">
               <a:rPr lang="ru-RU" smtClean="0"/>
               <a:pPr/>
-              <a:t>10.05.2022</a:t>
+              <a:t>11.05.2022</a:t>
             </a:fld>
             <a:endParaRPr lang="ru-RU"/>
           </a:p>
@@ -2841,7 +2841,7 @@
     </p:spTree>
     <p:extLst>
       <p:ext uri="{BB962C8B-B14F-4D97-AF65-F5344CB8AC3E}">
-        <p14:creationId xmlns:p14="http://schemas.microsoft.com/office/powerpoint/2010/main" val="3001132095"/>
+        <p14:creationId xmlns:p14="http://schemas.microsoft.com/office/powerpoint/2010/main" val="3280274657"/>
       </p:ext>
     </p:extLst>
   </p:cSld>
@@ -2977,7 +2977,7 @@
             <a:fld id="{0865F621-9F77-409B-87C2-BEAA1C35D7BC}" type="datetimeFigureOut">
               <a:rPr lang="ru-RU" smtClean="0"/>
               <a:pPr/>
-              <a:t>10.05.2022</a:t>
+              <a:t>11.05.2022</a:t>
             </a:fld>
             <a:endParaRPr lang="ru-RU"/>
           </a:p>
@@ -3029,7 +3029,7 @@
     </p:spTree>
     <p:extLst>
       <p:ext uri="{BB962C8B-B14F-4D97-AF65-F5344CB8AC3E}">
-        <p14:creationId xmlns:p14="http://schemas.microsoft.com/office/powerpoint/2010/main" val="1709810945"/>
+        <p14:creationId xmlns:p14="http://schemas.microsoft.com/office/powerpoint/2010/main" val="2208905536"/>
       </p:ext>
     </p:extLst>
   </p:cSld>
@@ -3165,7 +3165,7 @@
             <a:fld id="{0865F621-9F77-409B-87C2-BEAA1C35D7BC}" type="datetimeFigureOut">
               <a:rPr lang="ru-RU" smtClean="0"/>
               <a:pPr/>
-              <a:t>10.05.2022</a:t>
+              <a:t>11.05.2022</a:t>
             </a:fld>
             <a:endParaRPr lang="ru-RU"/>
           </a:p>
@@ -3217,7 +3217,7 @@
     </p:spTree>
     <p:extLst>
       <p:ext uri="{BB962C8B-B14F-4D97-AF65-F5344CB8AC3E}">
-        <p14:creationId xmlns:p14="http://schemas.microsoft.com/office/powerpoint/2010/main" val="2751346482"/>
+        <p14:creationId xmlns:p14="http://schemas.microsoft.com/office/powerpoint/2010/main" val="3813849957"/>
       </p:ext>
     </p:extLst>
   </p:cSld>
@@ -3347,7 +3347,7 @@
             <a:fld id="{0865F621-9F77-409B-87C2-BEAA1C35D7BC}" type="datetimeFigureOut">
               <a:rPr lang="ru-RU" smtClean="0"/>
               <a:pPr/>
-              <a:t>10.05.2022</a:t>
+              <a:t>11.05.2022</a:t>
             </a:fld>
             <a:endParaRPr lang="ru-RU"/>
           </a:p>
@@ -3399,7 +3399,7 @@
     </p:spTree>
     <p:extLst>
       <p:ext uri="{BB962C8B-B14F-4D97-AF65-F5344CB8AC3E}">
-        <p14:creationId xmlns:p14="http://schemas.microsoft.com/office/powerpoint/2010/main" val="3342284065"/>
+        <p14:creationId xmlns:p14="http://schemas.microsoft.com/office/powerpoint/2010/main" val="3716716097"/>
       </p:ext>
     </p:extLst>
   </p:cSld>
@@ -3486,7 +3486,7 @@
               <a:defRPr sz="1800">
                 <a:solidFill>
                   <a:schemeClr val="bg2">
-                    <a:lumMod val="75000"/>
+                    <a:lumMod val="50000"/>
                   </a:schemeClr>
                 </a:solidFill>
               </a:defRPr>
@@ -3599,7 +3599,7 @@
             <a:fld id="{0865F621-9F77-409B-87C2-BEAA1C35D7BC}" type="datetimeFigureOut">
               <a:rPr lang="ru-RU" smtClean="0"/>
               <a:pPr/>
-              <a:t>10.05.2022</a:t>
+              <a:t>11.05.2022</a:t>
             </a:fld>
             <a:endParaRPr lang="ru-RU"/>
           </a:p>
@@ -3651,7 +3651,7 @@
     </p:spTree>
     <p:extLst>
       <p:ext uri="{BB962C8B-B14F-4D97-AF65-F5344CB8AC3E}">
-        <p14:creationId xmlns:p14="http://schemas.microsoft.com/office/powerpoint/2010/main" val="1164691244"/>
+        <p14:creationId xmlns:p14="http://schemas.microsoft.com/office/powerpoint/2010/main" val="2110623804"/>
       </p:ext>
     </p:extLst>
   </p:cSld>
@@ -3848,7 +3848,7 @@
             <a:fld id="{0865F621-9F77-409B-87C2-BEAA1C35D7BC}" type="datetimeFigureOut">
               <a:rPr lang="ru-RU" smtClean="0"/>
               <a:pPr/>
-              <a:t>10.05.2022</a:t>
+              <a:t>11.05.2022</a:t>
             </a:fld>
             <a:endParaRPr lang="ru-RU"/>
           </a:p>
@@ -3900,7 +3900,7 @@
     </p:spTree>
     <p:extLst>
       <p:ext uri="{BB962C8B-B14F-4D97-AF65-F5344CB8AC3E}">
-        <p14:creationId xmlns:p14="http://schemas.microsoft.com/office/powerpoint/2010/main" val="539265463"/>
+        <p14:creationId xmlns:p14="http://schemas.microsoft.com/office/powerpoint/2010/main" val="4124928773"/>
       </p:ext>
     </p:extLst>
   </p:cSld>
@@ -4239,7 +4239,7 @@
             <a:fld id="{0865F621-9F77-409B-87C2-BEAA1C35D7BC}" type="datetimeFigureOut">
               <a:rPr lang="ru-RU" smtClean="0"/>
               <a:pPr/>
-              <a:t>10.05.2022</a:t>
+              <a:t>11.05.2022</a:t>
             </a:fld>
             <a:endParaRPr lang="ru-RU"/>
           </a:p>
@@ -4291,7 +4291,7 @@
     </p:spTree>
     <p:extLst>
       <p:ext uri="{BB962C8B-B14F-4D97-AF65-F5344CB8AC3E}">
-        <p14:creationId xmlns:p14="http://schemas.microsoft.com/office/powerpoint/2010/main" val="898322207"/>
+        <p14:creationId xmlns:p14="http://schemas.microsoft.com/office/powerpoint/2010/main" val="17500613"/>
       </p:ext>
     </p:extLst>
   </p:cSld>
@@ -4370,7 +4370,7 @@
             <a:fld id="{0865F621-9F77-409B-87C2-BEAA1C35D7BC}" type="datetimeFigureOut">
               <a:rPr lang="ru-RU" smtClean="0"/>
               <a:pPr/>
-              <a:t>10.05.2022</a:t>
+              <a:t>11.05.2022</a:t>
             </a:fld>
             <a:endParaRPr lang="ru-RU"/>
           </a:p>
@@ -4422,7 +4422,7 @@
     </p:spTree>
     <p:extLst>
       <p:ext uri="{BB962C8B-B14F-4D97-AF65-F5344CB8AC3E}">
-        <p14:creationId xmlns:p14="http://schemas.microsoft.com/office/powerpoint/2010/main" val="1415113841"/>
+        <p14:creationId xmlns:p14="http://schemas.microsoft.com/office/powerpoint/2010/main" val="338986370"/>
       </p:ext>
     </p:extLst>
   </p:cSld>
@@ -4467,7 +4467,7 @@
             <a:fld id="{0865F621-9F77-409B-87C2-BEAA1C35D7BC}" type="datetimeFigureOut">
               <a:rPr lang="ru-RU" smtClean="0"/>
               <a:pPr/>
-              <a:t>10.05.2022</a:t>
+              <a:t>11.05.2022</a:t>
             </a:fld>
             <a:endParaRPr lang="ru-RU"/>
           </a:p>
@@ -4519,7 +4519,7 @@
     </p:spTree>
     <p:extLst>
       <p:ext uri="{BB962C8B-B14F-4D97-AF65-F5344CB8AC3E}">
-        <p14:creationId xmlns:p14="http://schemas.microsoft.com/office/powerpoint/2010/main" val="2853595888"/>
+        <p14:creationId xmlns:p14="http://schemas.microsoft.com/office/powerpoint/2010/main" val="3147022601"/>
       </p:ext>
     </p:extLst>
   </p:cSld>
@@ -4724,7 +4724,7 @@
             <a:fld id="{0865F621-9F77-409B-87C2-BEAA1C35D7BC}" type="datetimeFigureOut">
               <a:rPr lang="ru-RU" smtClean="0"/>
               <a:pPr/>
-              <a:t>10.05.2022</a:t>
+              <a:t>11.05.2022</a:t>
             </a:fld>
             <a:endParaRPr lang="ru-RU"/>
           </a:p>
@@ -4776,7 +4776,7 @@
     </p:spTree>
     <p:extLst>
       <p:ext uri="{BB962C8B-B14F-4D97-AF65-F5344CB8AC3E}">
-        <p14:creationId xmlns:p14="http://schemas.microsoft.com/office/powerpoint/2010/main" val="1444273633"/>
+        <p14:creationId xmlns:p14="http://schemas.microsoft.com/office/powerpoint/2010/main" val="3848343299"/>
       </p:ext>
     </p:extLst>
   </p:cSld>
@@ -5009,7 +5009,7 @@
             <a:fld id="{0865F621-9F77-409B-87C2-BEAA1C35D7BC}" type="datetimeFigureOut">
               <a:rPr lang="ru-RU" smtClean="0"/>
               <a:pPr/>
-              <a:t>10.05.2022</a:t>
+              <a:t>11.05.2022</a:t>
             </a:fld>
             <a:endParaRPr lang="ru-RU"/>
           </a:p>
@@ -5066,7 +5066,7 @@
     </p:spTree>
     <p:extLst>
       <p:ext uri="{BB962C8B-B14F-4D97-AF65-F5344CB8AC3E}">
-        <p14:creationId xmlns:p14="http://schemas.microsoft.com/office/powerpoint/2010/main" val="1729182980"/>
+        <p14:creationId xmlns:p14="http://schemas.microsoft.com/office/powerpoint/2010/main" val="2670698123"/>
       </p:ext>
     </p:extLst>
   </p:cSld>
@@ -5080,9 +5080,40 @@
 <p:sldMaster xmlns:a="http://schemas.openxmlformats.org/drawingml/2006/main" xmlns:r="http://schemas.openxmlformats.org/officeDocument/2006/relationships" xmlns:p="http://schemas.openxmlformats.org/presentationml/2006/main">
   <p:cSld>
     <p:bg>
-      <p:bgRef idx="1002">
-        <a:schemeClr val="bg1"/>
-      </p:bgRef>
+      <p:bgPr>
+        <a:gradFill flip="none" rotWithShape="1">
+          <a:gsLst>
+            <a:gs pos="23000">
+              <a:srgbClr val="F2A02C"/>
+            </a:gs>
+            <a:gs pos="8000">
+              <a:srgbClr val="ED9125"/>
+            </a:gs>
+            <a:gs pos="0">
+              <a:srgbClr val="F6AB31"/>
+            </a:gs>
+            <a:gs pos="9000">
+              <a:schemeClr val="bg2">
+                <a:tint val="97000"/>
+                <a:hueMod val="162000"/>
+                <a:satMod val="200000"/>
+                <a:lumMod val="124000"/>
+              </a:schemeClr>
+            </a:gs>
+            <a:gs pos="63000">
+              <a:schemeClr val="bg2">
+                <a:shade val="96000"/>
+                <a:hueMod val="88000"/>
+                <a:satMod val="220000"/>
+                <a:lumMod val="82000"/>
+              </a:schemeClr>
+            </a:gs>
+          </a:gsLst>
+          <a:lin ang="6120000" scaled="1"/>
+          <a:tileRect/>
+        </a:gradFill>
+        <a:effectLst/>
+      </p:bgPr>
     </p:bg>
     <p:spTree>
       <p:nvGrpSpPr>
@@ -5422,7 +5453,7 @@
             <a:fld id="{0865F621-9F77-409B-87C2-BEAA1C35D7BC}" type="datetimeFigureOut">
               <a:rPr lang="ru-RU" smtClean="0"/>
               <a:pPr/>
-              <a:t>10.05.2022</a:t>
+              <a:t>11.05.2022</a:t>
             </a:fld>
             <a:endParaRPr lang="ru-RU"/>
           </a:p>
@@ -5514,29 +5545,29 @@
     </p:spTree>
     <p:extLst>
       <p:ext uri="{BB962C8B-B14F-4D97-AF65-F5344CB8AC3E}">
-        <p14:creationId xmlns:p14="http://schemas.microsoft.com/office/powerpoint/2010/main" val="2618891096"/>
+        <p14:creationId xmlns:p14="http://schemas.microsoft.com/office/powerpoint/2010/main" val="1899204895"/>
       </p:ext>
     </p:extLst>
   </p:cSld>
-  <p:clrMap bg1="lt1" tx1="dk1" bg2="lt2" tx2="dk2" accent1="accent1" accent2="accent2" accent3="accent3" accent4="accent4" accent5="accent5" accent6="accent6" hlink="hlink" folHlink="folHlink"/>
+  <p:clrMap bg1="dk1" tx1="lt1" bg2="dk2" tx2="lt2" accent1="accent1" accent2="accent2" accent3="accent3" accent4="accent4" accent5="accent5" accent6="accent6" hlink="hlink" folHlink="folHlink"/>
   <p:sldLayoutIdLst>
-    <p:sldLayoutId id="2147483750" r:id="rId1"/>
-    <p:sldLayoutId id="2147483751" r:id="rId2"/>
-    <p:sldLayoutId id="2147483752" r:id="rId3"/>
-    <p:sldLayoutId id="2147483753" r:id="rId4"/>
-    <p:sldLayoutId id="2147483754" r:id="rId5"/>
-    <p:sldLayoutId id="2147483755" r:id="rId6"/>
-    <p:sldLayoutId id="2147483756" r:id="rId7"/>
-    <p:sldLayoutId id="2147483757" r:id="rId8"/>
-    <p:sldLayoutId id="2147483758" r:id="rId9"/>
-    <p:sldLayoutId id="2147483759" r:id="rId10"/>
-    <p:sldLayoutId id="2147483760" r:id="rId11"/>
-    <p:sldLayoutId id="2147483761" r:id="rId12"/>
-    <p:sldLayoutId id="2147483762" r:id="rId13"/>
-    <p:sldLayoutId id="2147483763" r:id="rId14"/>
-    <p:sldLayoutId id="2147483764" r:id="rId15"/>
-    <p:sldLayoutId id="2147483765" r:id="rId16"/>
-    <p:sldLayoutId id="2147483766" r:id="rId17"/>
+    <p:sldLayoutId id="2147483894" r:id="rId1"/>
+    <p:sldLayoutId id="2147483895" r:id="rId2"/>
+    <p:sldLayoutId id="2147483896" r:id="rId3"/>
+    <p:sldLayoutId id="2147483897" r:id="rId4"/>
+    <p:sldLayoutId id="2147483898" r:id="rId5"/>
+    <p:sldLayoutId id="2147483899" r:id="rId6"/>
+    <p:sldLayoutId id="2147483900" r:id="rId7"/>
+    <p:sldLayoutId id="2147483901" r:id="rId8"/>
+    <p:sldLayoutId id="2147483902" r:id="rId9"/>
+    <p:sldLayoutId id="2147483903" r:id="rId10"/>
+    <p:sldLayoutId id="2147483904" r:id="rId11"/>
+    <p:sldLayoutId id="2147483905" r:id="rId12"/>
+    <p:sldLayoutId id="2147483906" r:id="rId13"/>
+    <p:sldLayoutId id="2147483907" r:id="rId14"/>
+    <p:sldLayoutId id="2147483908" r:id="rId15"/>
+    <p:sldLayoutId id="2147483909" r:id="rId16"/>
+    <p:sldLayoutId id="2147483910" r:id="rId17"/>
   </p:sldLayoutIdLst>
   <p:txStyles>
     <p:titleStyle>
@@ -5632,7 +5663,7 @@
         <a:defRPr sz="2000" kern="1200" cap="none">
           <a:solidFill>
             <a:schemeClr val="bg2">
-              <a:lumMod val="75000"/>
+              <a:lumMod val="50000"/>
             </a:schemeClr>
           </a:solidFill>
           <a:effectLst/>
@@ -5657,7 +5688,7 @@
         <a:defRPr sz="1800" kern="1200" cap="none">
           <a:solidFill>
             <a:schemeClr val="bg2">
-              <a:lumMod val="75000"/>
+              <a:lumMod val="50000"/>
             </a:schemeClr>
           </a:solidFill>
           <a:effectLst/>
@@ -5682,7 +5713,7 @@
         <a:defRPr sz="1600" kern="1200" cap="none">
           <a:solidFill>
             <a:schemeClr val="bg2">
-              <a:lumMod val="75000"/>
+              <a:lumMod val="50000"/>
             </a:schemeClr>
           </a:solidFill>
           <a:effectLst/>
@@ -5707,7 +5738,7 @@
         <a:defRPr sz="1400" kern="1200" cap="none">
           <a:solidFill>
             <a:schemeClr val="bg2">
-              <a:lumMod val="75000"/>
+              <a:lumMod val="50000"/>
             </a:schemeClr>
           </a:solidFill>
           <a:effectLst/>
@@ -5732,7 +5763,7 @@
         <a:defRPr sz="1400" kern="1200" cap="none">
           <a:solidFill>
             <a:schemeClr val="bg2">
-              <a:lumMod val="75000"/>
+              <a:lumMod val="50000"/>
             </a:schemeClr>
           </a:solidFill>
           <a:effectLst/>
@@ -5757,7 +5788,7 @@
         <a:defRPr sz="1400" kern="1200" cap="none">
           <a:solidFill>
             <a:schemeClr val="bg2">
-              <a:lumMod val="75000"/>
+              <a:lumMod val="50000"/>
             </a:schemeClr>
           </a:solidFill>
           <a:effectLst/>
@@ -5782,7 +5813,7 @@
         <a:defRPr sz="1400" kern="1200" cap="none">
           <a:solidFill>
             <a:schemeClr val="bg2">
-              <a:lumMod val="75000"/>
+              <a:lumMod val="50000"/>
             </a:schemeClr>
           </a:solidFill>
           <a:effectLst/>
@@ -5807,7 +5838,7 @@
         <a:defRPr sz="1400" kern="1200" cap="none">
           <a:solidFill>
             <a:schemeClr val="bg2">
-              <a:lumMod val="75000"/>
+              <a:lumMod val="50000"/>
             </a:schemeClr>
           </a:solidFill>
           <a:effectLst/>
@@ -5832,7 +5863,7 @@
         <a:defRPr sz="1400" kern="1200" cap="none">
           <a:solidFill>
             <a:schemeClr val="bg2">
-              <a:lumMod val="75000"/>
+              <a:lumMod val="50000"/>
             </a:schemeClr>
           </a:solidFill>
           <a:effectLst/>
@@ -6659,6 +6690,36 @@
           </a:p>
         </p:txBody>
       </p:sp>
+      <p:pic>
+        <p:nvPicPr>
+          <p:cNvPr id="7" name="Рисунок 6">
+            <a:extLst>
+              <a:ext uri="{FF2B5EF4-FFF2-40B4-BE49-F238E27FC236}">
+                <a16:creationId xmlns:a16="http://schemas.microsoft.com/office/drawing/2014/main" id="{95D78C8A-9093-4887-9BD7-B96606BFC8B0}"/>
+              </a:ext>
+            </a:extLst>
+          </p:cNvPr>
+          <p:cNvPicPr>
+            <a:picLocks noChangeAspect="1"/>
+          </p:cNvPicPr>
+          <p:nvPr/>
+        </p:nvPicPr>
+        <p:blipFill>
+          <a:blip r:embed="rId2"/>
+          <a:stretch>
+            <a:fillRect/>
+          </a:stretch>
+        </p:blipFill>
+        <p:spPr>
+          <a:xfrm>
+            <a:off x="1515903" y="1464162"/>
+            <a:ext cx="6112193" cy="4188378"/>
+          </a:xfrm>
+          <a:prstGeom prst="rect">
+            <a:avLst/>
+          </a:prstGeom>
+        </p:spPr>
+      </p:pic>
     </p:spTree>
     <p:extLst>
       <p:ext uri="{BB962C8B-B14F-4D97-AF65-F5344CB8AC3E}">
@@ -6856,13 +6917,12 @@
         </p:nvPicPr>
         <p:blipFill rotWithShape="1">
           <a:blip r:embed="rId2" cstate="print"/>
-          <a:srcRect l="-490" t="-1554" r="490" b="1554"/>
           <a:stretch/>
         </p:blipFill>
         <p:spPr>
           <a:xfrm>
-            <a:off x="1817597" y="1321194"/>
-            <a:ext cx="5328592" cy="3923531"/>
+            <a:off x="1460924" y="1719262"/>
+            <a:ext cx="6057900" cy="3419475"/>
           </a:xfrm>
           <a:prstGeom prst="rect">
             <a:avLst/>
@@ -7118,6 +7178,36 @@
           </a:p>
         </p:txBody>
       </p:sp>
+      <p:pic>
+        <p:nvPicPr>
+          <p:cNvPr id="3" name="Рисунок 2">
+            <a:extLst>
+              <a:ext uri="{FF2B5EF4-FFF2-40B4-BE49-F238E27FC236}">
+                <a16:creationId xmlns:a16="http://schemas.microsoft.com/office/drawing/2014/main" id="{E0B42FBD-2991-4C69-A4EE-81B41F25E782}"/>
+              </a:ext>
+            </a:extLst>
+          </p:cNvPr>
+          <p:cNvPicPr>
+            <a:picLocks noChangeAspect="1"/>
+          </p:cNvPicPr>
+          <p:nvPr/>
+        </p:nvPicPr>
+        <p:blipFill>
+          <a:blip r:embed="rId2"/>
+          <a:stretch>
+            <a:fillRect/>
+          </a:stretch>
+        </p:blipFill>
+        <p:spPr>
+          <a:xfrm>
+            <a:off x="1119051" y="1382579"/>
+            <a:ext cx="6905897" cy="4092841"/>
+          </a:xfrm>
+          <a:prstGeom prst="rect">
+            <a:avLst/>
+          </a:prstGeom>
+        </p:spPr>
+      </p:pic>
     </p:spTree>
     <p:extLst>
       <p:ext uri="{BB962C8B-B14F-4D97-AF65-F5344CB8AC3E}">
@@ -7181,6 +7271,36 @@
           </a:p>
         </p:txBody>
       </p:sp>
+      <p:pic>
+        <p:nvPicPr>
+          <p:cNvPr id="3" name="Рисунок 2">
+            <a:extLst>
+              <a:ext uri="{FF2B5EF4-FFF2-40B4-BE49-F238E27FC236}">
+                <a16:creationId xmlns:a16="http://schemas.microsoft.com/office/drawing/2014/main" id="{D51E28F5-9F5D-44B0-8B06-51CFEDB2F517}"/>
+              </a:ext>
+            </a:extLst>
+          </p:cNvPr>
+          <p:cNvPicPr>
+            <a:picLocks noChangeAspect="1"/>
+          </p:cNvPicPr>
+          <p:nvPr/>
+        </p:nvPicPr>
+        <p:blipFill>
+          <a:blip r:embed="rId2"/>
+          <a:stretch>
+            <a:fillRect/>
+          </a:stretch>
+        </p:blipFill>
+        <p:spPr>
+          <a:xfrm>
+            <a:off x="968461" y="1404254"/>
+            <a:ext cx="7042826" cy="4049492"/>
+          </a:xfrm>
+          <a:prstGeom prst="rect">
+            <a:avLst/>
+          </a:prstGeom>
+        </p:spPr>
+      </p:pic>
     </p:spTree>
     <p:extLst>
       <p:ext uri="{BB962C8B-B14F-4D97-AF65-F5344CB8AC3E}">
@@ -7244,6 +7364,36 @@
           </a:p>
         </p:txBody>
       </p:sp>
+      <p:pic>
+        <p:nvPicPr>
+          <p:cNvPr id="3" name="Рисунок 2">
+            <a:extLst>
+              <a:ext uri="{FF2B5EF4-FFF2-40B4-BE49-F238E27FC236}">
+                <a16:creationId xmlns:a16="http://schemas.microsoft.com/office/drawing/2014/main" id="{736DB76C-050D-4FD7-9216-CD7ED1E47FCD}"/>
+              </a:ext>
+            </a:extLst>
+          </p:cNvPr>
+          <p:cNvPicPr>
+            <a:picLocks noChangeAspect="1"/>
+          </p:cNvPicPr>
+          <p:nvPr/>
+        </p:nvPicPr>
+        <p:blipFill>
+          <a:blip r:embed="rId2"/>
+          <a:stretch>
+            <a:fillRect/>
+          </a:stretch>
+        </p:blipFill>
+        <p:spPr>
+          <a:xfrm>
+            <a:off x="857250" y="1654306"/>
+            <a:ext cx="7429500" cy="3549388"/>
+          </a:xfrm>
+          <a:prstGeom prst="rect">
+            <a:avLst/>
+          </a:prstGeom>
+        </p:spPr>
+      </p:pic>
     </p:spTree>
     <p:extLst>
       <p:ext uri="{BB962C8B-B14F-4D97-AF65-F5344CB8AC3E}">
@@ -7307,6 +7457,36 @@
           </a:p>
         </p:txBody>
       </p:sp>
+      <p:pic>
+        <p:nvPicPr>
+          <p:cNvPr id="3" name="Рисунок 2">
+            <a:extLst>
+              <a:ext uri="{FF2B5EF4-FFF2-40B4-BE49-F238E27FC236}">
+                <a16:creationId xmlns:a16="http://schemas.microsoft.com/office/drawing/2014/main" id="{C401DEDF-5617-4BBC-8DD6-A69255AE6E6E}"/>
+              </a:ext>
+            </a:extLst>
+          </p:cNvPr>
+          <p:cNvPicPr>
+            <a:picLocks noChangeAspect="1"/>
+          </p:cNvPicPr>
+          <p:nvPr/>
+        </p:nvPicPr>
+        <p:blipFill>
+          <a:blip r:embed="rId2"/>
+          <a:stretch>
+            <a:fillRect/>
+          </a:stretch>
+        </p:blipFill>
+        <p:spPr>
+          <a:xfrm>
+            <a:off x="788670" y="1722144"/>
+            <a:ext cx="7566660" cy="3413711"/>
+          </a:xfrm>
+          <a:prstGeom prst="rect">
+            <a:avLst/>
+          </a:prstGeom>
+        </p:spPr>
+      </p:pic>
     </p:spTree>
     <p:extLst>
       <p:ext uri="{BB962C8B-B14F-4D97-AF65-F5344CB8AC3E}">
@@ -7591,6 +7771,36 @@
           </a:p>
         </p:txBody>
       </p:sp>
+      <p:pic>
+        <p:nvPicPr>
+          <p:cNvPr id="3" name="Рисунок 2">
+            <a:extLst>
+              <a:ext uri="{FF2B5EF4-FFF2-40B4-BE49-F238E27FC236}">
+                <a16:creationId xmlns:a16="http://schemas.microsoft.com/office/drawing/2014/main" id="{8BA2630F-FD23-4396-865F-48773745DF69}"/>
+              </a:ext>
+            </a:extLst>
+          </p:cNvPr>
+          <p:cNvPicPr>
+            <a:picLocks noChangeAspect="1"/>
+          </p:cNvPicPr>
+          <p:nvPr/>
+        </p:nvPicPr>
+        <p:blipFill>
+          <a:blip r:embed="rId2"/>
+          <a:stretch>
+            <a:fillRect/>
+          </a:stretch>
+        </p:blipFill>
+        <p:spPr>
+          <a:xfrm>
+            <a:off x="939801" y="1192230"/>
+            <a:ext cx="7100146" cy="4473539"/>
+          </a:xfrm>
+          <a:prstGeom prst="rect">
+            <a:avLst/>
+          </a:prstGeom>
+        </p:spPr>
+      </p:pic>
     </p:spTree>
     <p:extLst>
       <p:ext uri="{BB962C8B-B14F-4D97-AF65-F5344CB8AC3E}">
@@ -9545,39 +9755,39 @@
         <a:sysClr val="window" lastClr="FFFFFF"/>
       </a:lt1>
       <a:dk2>
-        <a:srgbClr val="146194"/>
+        <a:srgbClr val="D06F1E"/>
       </a:dk2>
       <a:lt2>
-        <a:srgbClr val="76DBF4"/>
+        <a:srgbClr val="F0BE21"/>
       </a:lt2>
       <a:accent1>
-        <a:srgbClr val="052F61"/>
+        <a:srgbClr val="760603"/>
       </a:accent1>
       <a:accent2>
-        <a:srgbClr val="A50E82"/>
+        <a:srgbClr val="9F761A"/>
       </a:accent2>
       <a:accent3>
-        <a:srgbClr val="14967C"/>
+        <a:srgbClr val="92A200"/>
       </a:accent3>
       <a:accent4>
-        <a:srgbClr val="6A9E1F"/>
+        <a:srgbClr val="4AA157"/>
       </a:accent4>
       <a:accent5>
-        <a:srgbClr val="E87D37"/>
+        <a:srgbClr val="46788D"/>
       </a:accent5>
       <a:accent6>
-        <a:srgbClr val="C62324"/>
+        <a:srgbClr val="A848A8"/>
       </a:accent6>
       <a:hlink>
-        <a:srgbClr val="0D2E46"/>
+        <a:srgbClr val="460402"/>
       </a:hlink>
       <a:folHlink>
-        <a:srgbClr val="356A95"/>
+        <a:srgbClr val="991111"/>
       </a:folHlink>
     </a:clrScheme>
     <a:fontScheme name="Сектор">
       <a:majorFont>
-        <a:latin typeface="Century Gothic"/>
+        <a:latin typeface="Century Gothic" panose="020B0502020202020204"/>
         <a:ea typeface=""/>
         <a:cs typeface=""/>
         <a:font script="Jpan" typeface="メイリオ"/>
@@ -9612,7 +9822,7 @@
         <a:font script="Geor" typeface="Sylfaen"/>
       </a:majorFont>
       <a:minorFont>
-        <a:latin typeface="Century Gothic"/>
+        <a:latin typeface="Century Gothic" panose="020B0502020202020204"/>
         <a:ea typeface=""/>
         <a:cs typeface=""/>
         <a:font script="Jpan" typeface="メイリオ"/>
@@ -9758,16 +9968,17 @@
             <a:gs pos="10000">
               <a:schemeClr val="phClr">
                 <a:tint val="97000"/>
-                <a:hueMod val="92000"/>
-                <a:satMod val="169000"/>
-                <a:lumMod val="164000"/>
+                <a:hueMod val="162000"/>
+                <a:satMod val="200000"/>
+                <a:lumMod val="124000"/>
               </a:schemeClr>
             </a:gs>
             <a:gs pos="100000">
               <a:schemeClr val="phClr">
                 <a:shade val="96000"/>
-                <a:satMod val="120000"/>
-                <a:lumMod val="90000"/>
+                <a:hueMod val="88000"/>
+                <a:satMod val="220000"/>
+                <a:lumMod val="82000"/>
               </a:schemeClr>
             </a:gs>
           </a:gsLst>
@@ -9778,16 +9989,17 @@
             <a:gs pos="0">
               <a:schemeClr val="phClr">
                 <a:tint val="97000"/>
-                <a:hueMod val="92000"/>
-                <a:satMod val="169000"/>
-                <a:lumMod val="164000"/>
+                <a:hueMod val="162000"/>
+                <a:satMod val="200000"/>
+                <a:lumMod val="124000"/>
               </a:schemeClr>
             </a:gs>
             <a:gs pos="100000">
               <a:schemeClr val="phClr">
                 <a:shade val="96000"/>
-                <a:satMod val="120000"/>
-                <a:lumMod val="90000"/>
+                <a:hueMod val="88000"/>
+                <a:satMod val="220000"/>
+                <a:lumMod val="82000"/>
               </a:schemeClr>
             </a:gs>
           </a:gsLst>
@@ -9802,7 +10014,7 @@
   <a:extraClrSchemeLst/>
   <a:extLst>
     <a:ext uri="{05A4C25C-085E-4340-85A3-A5531E510DB2}">
-      <thm15:themeFamily xmlns:thm15="http://schemas.microsoft.com/office/thememl/2012/main" name="Slice" id="{0507925B-6AC9-4358-8E18-C330545D08F8}" vid="{13FEC7C6-62A9-40C4-99D2-581AACACAA2F}"/>
+      <thm15:themeFamily xmlns:thm15="http://schemas.microsoft.com/office/thememl/2012/main" name="Slice" id="{0507925B-6AC9-4358-8E18-C330545D08F8}" vid="{282EB108-EDE6-4B8E-957B-D4A69BF580EA}"/>
     </a:ext>
   </a:extLst>
 </a:theme>

--- a/Документация/Презентация/Презентация Дикарев ПС-19Б.PPTX
+++ b/Документация/Презентация/Презентация Дикарев ПС-19Б.PPTX
@@ -131,7 +131,7 @@
   </p:defaultTextStyle>
   <p:extLst>
     <p:ext uri="{EFAFB233-063F-42B5-8137-9DF3F51BA10A}">
-      <p15:sldGuideLst xmlns:p15="http://schemas.microsoft.com/office/powerpoint/2012/main">
+      <p15:sldGuideLst xmlns:p15="http://schemas.microsoft.com/office/powerpoint/2012/main" xmlns="">
         <p15:guide id="1" orient="horz" pos="2160">
           <p15:clr>
             <a:srgbClr val="A4A3A4"/>
@@ -399,7 +399,7 @@
     </p:spTree>
     <p:extLst>
       <p:ext uri="{BB962C8B-B14F-4D97-AF65-F5344CB8AC3E}">
-        <p14:creationId xmlns:p14="http://schemas.microsoft.com/office/powerpoint/2010/main" val="1293212877"/>
+        <p14:creationId xmlns:p14="http://schemas.microsoft.com/office/powerpoint/2010/main" xmlns="" val="1293212877"/>
       </p:ext>
     </p:extLst>
   </p:cSld>
@@ -574,7 +574,7 @@
     </p:spTree>
     <p:extLst>
       <p:ext uri="{BB962C8B-B14F-4D97-AF65-F5344CB8AC3E}">
-        <p14:creationId xmlns:p14="http://schemas.microsoft.com/office/powerpoint/2010/main" val="3289621435"/>
+        <p14:creationId xmlns:p14="http://schemas.microsoft.com/office/powerpoint/2010/main" xmlns="" val="3289621435"/>
       </p:ext>
     </p:extLst>
   </p:cSld>
@@ -1018,7 +1018,7 @@
     </p:spTree>
     <p:extLst>
       <p:ext uri="{BB962C8B-B14F-4D97-AF65-F5344CB8AC3E}">
-        <p14:creationId xmlns:p14="http://schemas.microsoft.com/office/powerpoint/2010/main" val="2449770288"/>
+        <p14:creationId xmlns:p14="http://schemas.microsoft.com/office/powerpoint/2010/main" xmlns="" val="2449770288"/>
       </p:ext>
     </p:extLst>
   </p:cSld>
@@ -1286,7 +1286,7 @@
     </p:spTree>
     <p:extLst>
       <p:ext uri="{BB962C8B-B14F-4D97-AF65-F5344CB8AC3E}">
-        <p14:creationId xmlns:p14="http://schemas.microsoft.com/office/powerpoint/2010/main" val="1739194551"/>
+        <p14:creationId xmlns:p14="http://schemas.microsoft.com/office/powerpoint/2010/main" xmlns="" val="1739194551"/>
       </p:ext>
     </p:extLst>
   </p:cSld>
@@ -1538,7 +1538,7 @@
     </p:spTree>
     <p:extLst>
       <p:ext uri="{BB962C8B-B14F-4D97-AF65-F5344CB8AC3E}">
-        <p14:creationId xmlns:p14="http://schemas.microsoft.com/office/powerpoint/2010/main" val="3898714206"/>
+        <p14:creationId xmlns:p14="http://schemas.microsoft.com/office/powerpoint/2010/main" xmlns="" val="3898714206"/>
       </p:ext>
     </p:extLst>
   </p:cSld>
@@ -1916,7 +1916,7 @@
     </p:spTree>
     <p:extLst>
       <p:ext uri="{BB962C8B-B14F-4D97-AF65-F5344CB8AC3E}">
-        <p14:creationId xmlns:p14="http://schemas.microsoft.com/office/powerpoint/2010/main" val="2455033264"/>
+        <p14:creationId xmlns:p14="http://schemas.microsoft.com/office/powerpoint/2010/main" xmlns="" val="2455033264"/>
       </p:ext>
     </p:extLst>
   </p:cSld>
@@ -2168,7 +2168,7 @@
     </p:spTree>
     <p:extLst>
       <p:ext uri="{BB962C8B-B14F-4D97-AF65-F5344CB8AC3E}">
-        <p14:creationId xmlns:p14="http://schemas.microsoft.com/office/powerpoint/2010/main" val="1332975896"/>
+        <p14:creationId xmlns:p14="http://schemas.microsoft.com/office/powerpoint/2010/main" xmlns="" val="1332975896"/>
       </p:ext>
     </p:extLst>
   </p:cSld>
@@ -2540,7 +2540,7 @@
     </p:spTree>
     <p:extLst>
       <p:ext uri="{BB962C8B-B14F-4D97-AF65-F5344CB8AC3E}">
-        <p14:creationId xmlns:p14="http://schemas.microsoft.com/office/powerpoint/2010/main" val="2415635225"/>
+        <p14:creationId xmlns:p14="http://schemas.microsoft.com/office/powerpoint/2010/main" xmlns="" val="2415635225"/>
       </p:ext>
     </p:extLst>
   </p:cSld>
@@ -2841,7 +2841,7 @@
     </p:spTree>
     <p:extLst>
       <p:ext uri="{BB962C8B-B14F-4D97-AF65-F5344CB8AC3E}">
-        <p14:creationId xmlns:p14="http://schemas.microsoft.com/office/powerpoint/2010/main" val="3280274657"/>
+        <p14:creationId xmlns:p14="http://schemas.microsoft.com/office/powerpoint/2010/main" xmlns="" val="3280274657"/>
       </p:ext>
     </p:extLst>
   </p:cSld>
@@ -3029,7 +3029,7 @@
     </p:spTree>
     <p:extLst>
       <p:ext uri="{BB962C8B-B14F-4D97-AF65-F5344CB8AC3E}">
-        <p14:creationId xmlns:p14="http://schemas.microsoft.com/office/powerpoint/2010/main" val="2208905536"/>
+        <p14:creationId xmlns:p14="http://schemas.microsoft.com/office/powerpoint/2010/main" xmlns="" val="2208905536"/>
       </p:ext>
     </p:extLst>
   </p:cSld>
@@ -3217,7 +3217,7 @@
     </p:spTree>
     <p:extLst>
       <p:ext uri="{BB962C8B-B14F-4D97-AF65-F5344CB8AC3E}">
-        <p14:creationId xmlns:p14="http://schemas.microsoft.com/office/powerpoint/2010/main" val="3813849957"/>
+        <p14:creationId xmlns:p14="http://schemas.microsoft.com/office/powerpoint/2010/main" xmlns="" val="3813849957"/>
       </p:ext>
     </p:extLst>
   </p:cSld>
@@ -3399,7 +3399,7 @@
     </p:spTree>
     <p:extLst>
       <p:ext uri="{BB962C8B-B14F-4D97-AF65-F5344CB8AC3E}">
-        <p14:creationId xmlns:p14="http://schemas.microsoft.com/office/powerpoint/2010/main" val="3716716097"/>
+        <p14:creationId xmlns:p14="http://schemas.microsoft.com/office/powerpoint/2010/main" xmlns="" val="3716716097"/>
       </p:ext>
     </p:extLst>
   </p:cSld>
@@ -3651,7 +3651,7 @@
     </p:spTree>
     <p:extLst>
       <p:ext uri="{BB962C8B-B14F-4D97-AF65-F5344CB8AC3E}">
-        <p14:creationId xmlns:p14="http://schemas.microsoft.com/office/powerpoint/2010/main" val="2110623804"/>
+        <p14:creationId xmlns:p14="http://schemas.microsoft.com/office/powerpoint/2010/main" xmlns="" val="2110623804"/>
       </p:ext>
     </p:extLst>
   </p:cSld>
@@ -3900,7 +3900,7 @@
     </p:spTree>
     <p:extLst>
       <p:ext uri="{BB962C8B-B14F-4D97-AF65-F5344CB8AC3E}">
-        <p14:creationId xmlns:p14="http://schemas.microsoft.com/office/powerpoint/2010/main" val="4124928773"/>
+        <p14:creationId xmlns:p14="http://schemas.microsoft.com/office/powerpoint/2010/main" xmlns="" val="4124928773"/>
       </p:ext>
     </p:extLst>
   </p:cSld>
@@ -4291,7 +4291,7 @@
     </p:spTree>
     <p:extLst>
       <p:ext uri="{BB962C8B-B14F-4D97-AF65-F5344CB8AC3E}">
-        <p14:creationId xmlns:p14="http://schemas.microsoft.com/office/powerpoint/2010/main" val="17500613"/>
+        <p14:creationId xmlns:p14="http://schemas.microsoft.com/office/powerpoint/2010/main" xmlns="" val="17500613"/>
       </p:ext>
     </p:extLst>
   </p:cSld>
@@ -4422,7 +4422,7 @@
     </p:spTree>
     <p:extLst>
       <p:ext uri="{BB962C8B-B14F-4D97-AF65-F5344CB8AC3E}">
-        <p14:creationId xmlns:p14="http://schemas.microsoft.com/office/powerpoint/2010/main" val="338986370"/>
+        <p14:creationId xmlns:p14="http://schemas.microsoft.com/office/powerpoint/2010/main" xmlns="" val="338986370"/>
       </p:ext>
     </p:extLst>
   </p:cSld>
@@ -4519,7 +4519,7 @@
     </p:spTree>
     <p:extLst>
       <p:ext uri="{BB962C8B-B14F-4D97-AF65-F5344CB8AC3E}">
-        <p14:creationId xmlns:p14="http://schemas.microsoft.com/office/powerpoint/2010/main" val="3147022601"/>
+        <p14:creationId xmlns:p14="http://schemas.microsoft.com/office/powerpoint/2010/main" xmlns="" val="3147022601"/>
       </p:ext>
     </p:extLst>
   </p:cSld>
@@ -4776,7 +4776,7 @@
     </p:spTree>
     <p:extLst>
       <p:ext uri="{BB962C8B-B14F-4D97-AF65-F5344CB8AC3E}">
-        <p14:creationId xmlns:p14="http://schemas.microsoft.com/office/powerpoint/2010/main" val="3848343299"/>
+        <p14:creationId xmlns:p14="http://schemas.microsoft.com/office/powerpoint/2010/main" xmlns="" val="3848343299"/>
       </p:ext>
     </p:extLst>
   </p:cSld>
@@ -5066,7 +5066,7 @@
     </p:spTree>
     <p:extLst>
       <p:ext uri="{BB962C8B-B14F-4D97-AF65-F5344CB8AC3E}">
-        <p14:creationId xmlns:p14="http://schemas.microsoft.com/office/powerpoint/2010/main" val="2670698123"/>
+        <p14:creationId xmlns:p14="http://schemas.microsoft.com/office/powerpoint/2010/main" xmlns="" val="2670698123"/>
       </p:ext>
     </p:extLst>
   </p:cSld>
@@ -5545,7 +5545,7 @@
     </p:spTree>
     <p:extLst>
       <p:ext uri="{BB962C8B-B14F-4D97-AF65-F5344CB8AC3E}">
-        <p14:creationId xmlns:p14="http://schemas.microsoft.com/office/powerpoint/2010/main" val="1899204895"/>
+        <p14:creationId xmlns:p14="http://schemas.microsoft.com/office/powerpoint/2010/main" xmlns="" val="1899204895"/>
       </p:ext>
     </p:extLst>
   </p:cSld>
@@ -6000,7 +6000,7 @@
         <p:spPr bwMode="auto">
           <a:xfrm>
             <a:off x="6390084" y="4995522"/>
-            <a:ext cx="2753916" cy="923330"/>
+            <a:ext cx="2753916" cy="1015663"/>
           </a:xfrm>
           <a:prstGeom prst="rect">
             <a:avLst/>
@@ -6021,7 +6021,7 @@
           <a:p>
             <a:pPr algn="r"/>
             <a:r>
-              <a:rPr lang="ru-RU" dirty="0">
+              <a:rPr lang="ru-RU" sz="2000" dirty="0">
                 <a:latin typeface="Times New Roman" pitchFamily="18" charset="0"/>
                 <a:cs typeface="Times New Roman" pitchFamily="18" charset="0"/>
               </a:rPr>
@@ -6031,7 +6031,7 @@
           <a:p>
             <a:pPr algn="r"/>
             <a:r>
-              <a:rPr lang="ru-RU" dirty="0">
+              <a:rPr lang="ru-RU" sz="2000" dirty="0">
                 <a:latin typeface="Times New Roman" pitchFamily="18" charset="0"/>
                 <a:cs typeface="Times New Roman" pitchFamily="18" charset="0"/>
               </a:rPr>
@@ -6041,7 +6041,7 @@
           <a:p>
             <a:pPr algn="r"/>
             <a:r>
-              <a:rPr lang="ru-RU" dirty="0">
+              <a:rPr lang="ru-RU" sz="2000" dirty="0">
                 <a:latin typeface="Times New Roman" pitchFamily="18" charset="0"/>
                 <a:cs typeface="Times New Roman" pitchFamily="18" charset="0"/>
               </a:rPr>
@@ -6215,7 +6215,7 @@
     </p:spTree>
     <p:extLst>
       <p:ext uri="{BB962C8B-B14F-4D97-AF65-F5344CB8AC3E}">
-        <p14:creationId xmlns:p14="http://schemas.microsoft.com/office/powerpoint/2010/main" val="2042443039"/>
+        <p14:creationId xmlns:p14="http://schemas.microsoft.com/office/powerpoint/2010/main" xmlns="" val="2042443039"/>
       </p:ext>
     </p:extLst>
   </p:cSld>
@@ -6298,14 +6298,14 @@
           <a:effectLst/>
           <a:extLst>
             <a:ext uri="{909E8E84-426E-40DD-AFC4-6F175D3DCCD1}">
-              <a14:hiddenFill xmlns:a14="http://schemas.microsoft.com/office/drawing/2010/main">
+              <a14:hiddenFill xmlns:a14="http://schemas.microsoft.com/office/drawing/2010/main" xmlns="">
                 <a:solidFill>
                   <a:schemeClr val="accent1"/>
                 </a:solidFill>
               </a14:hiddenFill>
             </a:ext>
             <a:ext uri="{91240B29-F687-4F45-9708-019B960494DF}">
-              <a14:hiddenLine xmlns:a14="http://schemas.microsoft.com/office/drawing/2010/main" w="9525">
+              <a14:hiddenLine xmlns:a14="http://schemas.microsoft.com/office/drawing/2010/main" xmlns="" w="9525">
                 <a:solidFill>
                   <a:schemeClr val="tx1"/>
                 </a:solidFill>
@@ -6315,7 +6315,7 @@
               </a14:hiddenLine>
             </a:ext>
             <a:ext uri="{AF507438-7753-43E0-B8FC-AC1667EBCBE1}">
-              <a14:hiddenEffects xmlns:a14="http://schemas.microsoft.com/office/drawing/2010/main">
+              <a14:hiddenEffects xmlns:a14="http://schemas.microsoft.com/office/drawing/2010/main" xmlns="">
                 <a:effectLst>
                   <a:outerShdw dist="35921" dir="2700000" algn="ctr" rotWithShape="0">
                     <a:schemeClr val="bg2"/>
@@ -6361,14 +6361,14 @@
           <a:effectLst/>
           <a:extLst>
             <a:ext uri="{909E8E84-426E-40DD-AFC4-6F175D3DCCD1}">
-              <a14:hiddenFill xmlns:a14="http://schemas.microsoft.com/office/drawing/2010/main">
+              <a14:hiddenFill xmlns:a14="http://schemas.microsoft.com/office/drawing/2010/main" xmlns="">
                 <a:solidFill>
                   <a:schemeClr val="accent1"/>
                 </a:solidFill>
               </a14:hiddenFill>
             </a:ext>
             <a:ext uri="{91240B29-F687-4F45-9708-019B960494DF}">
-              <a14:hiddenLine xmlns:a14="http://schemas.microsoft.com/office/drawing/2010/main" w="9525">
+              <a14:hiddenLine xmlns:a14="http://schemas.microsoft.com/office/drawing/2010/main" xmlns="" w="9525">
                 <a:solidFill>
                   <a:schemeClr val="tx1"/>
                 </a:solidFill>
@@ -6378,7 +6378,7 @@
               </a14:hiddenLine>
             </a:ext>
             <a:ext uri="{AF507438-7753-43E0-B8FC-AC1667EBCBE1}">
-              <a14:hiddenEffects xmlns:a14="http://schemas.microsoft.com/office/drawing/2010/main">
+              <a14:hiddenEffects xmlns:a14="http://schemas.microsoft.com/office/drawing/2010/main" xmlns="">
                 <a:effectLst>
                   <a:outerShdw dist="35921" dir="2700000" algn="ctr" rotWithShape="0">
                     <a:schemeClr val="bg2"/>
@@ -6406,7 +6406,7 @@
           <p:cNvPr id="7" name="Рисунок 6">
             <a:extLst>
               <a:ext uri="{FF2B5EF4-FFF2-40B4-BE49-F238E27FC236}">
-                <a16:creationId xmlns:a16="http://schemas.microsoft.com/office/drawing/2014/main" id="{265D2518-1B8C-480C-AE2A-93BF748538ED}"/>
+                <a16:creationId xmlns:a16="http://schemas.microsoft.com/office/drawing/2014/main" xmlns="" id="{265D2518-1B8C-480C-AE2A-93BF748538ED}"/>
               </a:ext>
             </a:extLst>
           </p:cNvPr>
@@ -6434,7 +6434,7 @@
     </p:spTree>
     <p:extLst>
       <p:ext uri="{BB962C8B-B14F-4D97-AF65-F5344CB8AC3E}">
-        <p14:creationId xmlns:p14="http://schemas.microsoft.com/office/powerpoint/2010/main" val="1805201421"/>
+        <p14:creationId xmlns:p14="http://schemas.microsoft.com/office/powerpoint/2010/main" xmlns="" val="1805201421"/>
       </p:ext>
     </p:extLst>
   </p:cSld>
@@ -6524,14 +6524,14 @@
           <a:effectLst/>
           <a:extLst>
             <a:ext uri="{909E8E84-426E-40DD-AFC4-6F175D3DCCD1}">
-              <a14:hiddenFill xmlns:a14="http://schemas.microsoft.com/office/drawing/2010/main">
+              <a14:hiddenFill xmlns:a14="http://schemas.microsoft.com/office/drawing/2010/main" xmlns="">
                 <a:solidFill>
                   <a:schemeClr val="accent1"/>
                 </a:solidFill>
               </a14:hiddenFill>
             </a:ext>
             <a:ext uri="{91240B29-F687-4F45-9708-019B960494DF}">
-              <a14:hiddenLine xmlns:a14="http://schemas.microsoft.com/office/drawing/2010/main" w="9525">
+              <a14:hiddenLine xmlns:a14="http://schemas.microsoft.com/office/drawing/2010/main" xmlns="" w="9525">
                 <a:solidFill>
                   <a:schemeClr val="tx1"/>
                 </a:solidFill>
@@ -6541,7 +6541,7 @@
               </a14:hiddenLine>
             </a:ext>
             <a:ext uri="{AF507438-7753-43E0-B8FC-AC1667EBCBE1}">
-              <a14:hiddenEffects xmlns:a14="http://schemas.microsoft.com/office/drawing/2010/main">
+              <a14:hiddenEffects xmlns:a14="http://schemas.microsoft.com/office/drawing/2010/main" xmlns="">
                 <a:effectLst>
                   <a:outerShdw dist="35921" dir="2700000" algn="ctr" rotWithShape="0">
                     <a:schemeClr val="bg2"/>
@@ -6587,14 +6587,14 @@
           <a:effectLst/>
           <a:extLst>
             <a:ext uri="{909E8E84-426E-40DD-AFC4-6F175D3DCCD1}">
-              <a14:hiddenFill xmlns:a14="http://schemas.microsoft.com/office/drawing/2010/main">
+              <a14:hiddenFill xmlns:a14="http://schemas.microsoft.com/office/drawing/2010/main" xmlns="">
                 <a:solidFill>
                   <a:schemeClr val="accent1"/>
                 </a:solidFill>
               </a14:hiddenFill>
             </a:ext>
             <a:ext uri="{91240B29-F687-4F45-9708-019B960494DF}">
-              <a14:hiddenLine xmlns:a14="http://schemas.microsoft.com/office/drawing/2010/main" w="9525">
+              <a14:hiddenLine xmlns:a14="http://schemas.microsoft.com/office/drawing/2010/main" xmlns="" w="9525">
                 <a:solidFill>
                   <a:schemeClr val="tx1"/>
                 </a:solidFill>
@@ -6604,7 +6604,7 @@
               </a14:hiddenLine>
             </a:ext>
             <a:ext uri="{AF507438-7753-43E0-B8FC-AC1667EBCBE1}">
-              <a14:hiddenEffects xmlns:a14="http://schemas.microsoft.com/office/drawing/2010/main">
+              <a14:hiddenEffects xmlns:a14="http://schemas.microsoft.com/office/drawing/2010/main" xmlns="">
                 <a:effectLst>
                   <a:outerShdw dist="35921" dir="2700000" algn="ctr" rotWithShape="0">
                     <a:schemeClr val="bg2"/>
@@ -6650,14 +6650,14 @@
           <a:effectLst/>
           <a:extLst>
             <a:ext uri="{909E8E84-426E-40DD-AFC4-6F175D3DCCD1}">
-              <a14:hiddenFill xmlns:a14="http://schemas.microsoft.com/office/drawing/2010/main">
+              <a14:hiddenFill xmlns:a14="http://schemas.microsoft.com/office/drawing/2010/main" xmlns="">
                 <a:solidFill>
                   <a:schemeClr val="accent1"/>
                 </a:solidFill>
               </a14:hiddenFill>
             </a:ext>
             <a:ext uri="{91240B29-F687-4F45-9708-019B960494DF}">
-              <a14:hiddenLine xmlns:a14="http://schemas.microsoft.com/office/drawing/2010/main" w="9525">
+              <a14:hiddenLine xmlns:a14="http://schemas.microsoft.com/office/drawing/2010/main" xmlns="" w="9525">
                 <a:solidFill>
                   <a:schemeClr val="tx1"/>
                 </a:solidFill>
@@ -6667,7 +6667,7 @@
               </a14:hiddenLine>
             </a:ext>
             <a:ext uri="{AF507438-7753-43E0-B8FC-AC1667EBCBE1}">
-              <a14:hiddenEffects xmlns:a14="http://schemas.microsoft.com/office/drawing/2010/main">
+              <a14:hiddenEffects xmlns:a14="http://schemas.microsoft.com/office/drawing/2010/main" xmlns="">
                 <a:effectLst>
                   <a:outerShdw dist="35921" dir="2700000" algn="ctr" rotWithShape="0">
                     <a:schemeClr val="bg2"/>
@@ -6695,7 +6695,7 @@
           <p:cNvPr id="7" name="Рисунок 6">
             <a:extLst>
               <a:ext uri="{FF2B5EF4-FFF2-40B4-BE49-F238E27FC236}">
-                <a16:creationId xmlns:a16="http://schemas.microsoft.com/office/drawing/2014/main" id="{95D78C8A-9093-4887-9BD7-B96606BFC8B0}"/>
+                <a16:creationId xmlns:a16="http://schemas.microsoft.com/office/drawing/2014/main" xmlns="" id="{95D78C8A-9093-4887-9BD7-B96606BFC8B0}"/>
               </a:ext>
             </a:extLst>
           </p:cNvPr>
@@ -6723,7 +6723,7 @@
     </p:spTree>
     <p:extLst>
       <p:ext uri="{BB962C8B-B14F-4D97-AF65-F5344CB8AC3E}">
-        <p14:creationId xmlns:p14="http://schemas.microsoft.com/office/powerpoint/2010/main" val="2985669781"/>
+        <p14:creationId xmlns:p14="http://schemas.microsoft.com/office/powerpoint/2010/main" xmlns="" val="2985669781"/>
       </p:ext>
     </p:extLst>
   </p:cSld>
@@ -6795,8 +6795,8 @@
         </p:nvSpPr>
         <p:spPr>
           <a:xfrm>
-            <a:off x="271177" y="904690"/>
-            <a:ext cx="7514286" cy="5078100"/>
+            <a:off x="271177" y="1246908"/>
+            <a:ext cx="7514286" cy="4735881"/>
           </a:xfrm>
         </p:spPr>
         <p:txBody>
@@ -6812,7 +6812,7 @@
               <a:buNone/>
             </a:pPr>
             <a:r>
-              <a:rPr lang="ru-RU" dirty="0">
+              <a:rPr lang="ru-RU" sz="2400" dirty="0">
                 <a:solidFill>
                   <a:schemeClr val="tx1"/>
                 </a:solidFill>
@@ -6830,7 +6830,7 @@
               <a:buNone/>
             </a:pPr>
             <a:r>
-              <a:rPr lang="ru-RU" dirty="0">
+              <a:rPr lang="ru-RU" sz="2400" dirty="0">
                 <a:solidFill>
                   <a:schemeClr val="tx1"/>
                 </a:solidFill>
@@ -6845,7 +6845,7 @@
     </p:spTree>
     <p:extLst>
       <p:ext uri="{BB962C8B-B14F-4D97-AF65-F5344CB8AC3E}">
-        <p14:creationId xmlns:p14="http://schemas.microsoft.com/office/powerpoint/2010/main" val="1268536216"/>
+        <p14:creationId xmlns:p14="http://schemas.microsoft.com/office/powerpoint/2010/main" xmlns="" val="1268536216"/>
       </p:ext>
     </p:extLst>
   </p:cSld>
@@ -6916,7 +6916,18 @@
           </p:nvPr>
         </p:nvPicPr>
         <p:blipFill rotWithShape="1">
-          <a:blip r:embed="rId2" cstate="print"/>
+          <a:blip r:embed="rId2" cstate="print">
+            <a:clrChange>
+              <a:clrFrom>
+                <a:srgbClr val="FFFFFF"/>
+              </a:clrFrom>
+              <a:clrTo>
+                <a:srgbClr val="FFFFFF">
+                  <a:alpha val="0"/>
+                </a:srgbClr>
+              </a:clrTo>
+            </a:clrChange>
+          </a:blip>
           <a:stretch/>
         </p:blipFill>
         <p:spPr>
@@ -6932,7 +6943,7 @@
     </p:spTree>
     <p:extLst>
       <p:ext uri="{BB962C8B-B14F-4D97-AF65-F5344CB8AC3E}">
-        <p14:creationId xmlns:p14="http://schemas.microsoft.com/office/powerpoint/2010/main" val="3174906787"/>
+        <p14:creationId xmlns:p14="http://schemas.microsoft.com/office/powerpoint/2010/main" xmlns="" val="3174906787"/>
       </p:ext>
     </p:extLst>
   </p:cSld>
@@ -6997,7 +7008,7 @@
           <p:cNvPr id="5" name="Рисунок 4">
             <a:extLst>
               <a:ext uri="{FF2B5EF4-FFF2-40B4-BE49-F238E27FC236}">
-                <a16:creationId xmlns:a16="http://schemas.microsoft.com/office/drawing/2014/main" id="{230D57AA-61DD-45D9-BDFE-45D3EFDA1D85}"/>
+                <a16:creationId xmlns:a16="http://schemas.microsoft.com/office/drawing/2014/main" xmlns="" id="{230D57AA-61DD-45D9-BDFE-45D3EFDA1D85}"/>
               </a:ext>
             </a:extLst>
           </p:cNvPr>
@@ -7025,7 +7036,7 @@
     </p:spTree>
     <p:extLst>
       <p:ext uri="{BB962C8B-B14F-4D97-AF65-F5344CB8AC3E}">
-        <p14:creationId xmlns:p14="http://schemas.microsoft.com/office/powerpoint/2010/main" val="2636070835"/>
+        <p14:creationId xmlns:p14="http://schemas.microsoft.com/office/powerpoint/2010/main" xmlns="" val="2636070835"/>
       </p:ext>
     </p:extLst>
   </p:cSld>
@@ -7090,7 +7101,7 @@
           <p:cNvPr id="3" name="Рисунок 2">
             <a:extLst>
               <a:ext uri="{FF2B5EF4-FFF2-40B4-BE49-F238E27FC236}">
-                <a16:creationId xmlns:a16="http://schemas.microsoft.com/office/drawing/2014/main" id="{3CF17BC1-FC04-4ED1-9B93-47F0128AE04E}"/>
+                <a16:creationId xmlns:a16="http://schemas.microsoft.com/office/drawing/2014/main" xmlns="" id="{3CF17BC1-FC04-4ED1-9B93-47F0128AE04E}"/>
               </a:ext>
             </a:extLst>
           </p:cNvPr>
@@ -7118,7 +7129,7 @@
     </p:spTree>
     <p:extLst>
       <p:ext uri="{BB962C8B-B14F-4D97-AF65-F5344CB8AC3E}">
-        <p14:creationId xmlns:p14="http://schemas.microsoft.com/office/powerpoint/2010/main" val="1943707337"/>
+        <p14:creationId xmlns:p14="http://schemas.microsoft.com/office/powerpoint/2010/main" xmlns="" val="1943707337"/>
       </p:ext>
     </p:extLst>
   </p:cSld>
@@ -7183,7 +7194,7 @@
           <p:cNvPr id="3" name="Рисунок 2">
             <a:extLst>
               <a:ext uri="{FF2B5EF4-FFF2-40B4-BE49-F238E27FC236}">
-                <a16:creationId xmlns:a16="http://schemas.microsoft.com/office/drawing/2014/main" id="{E0B42FBD-2991-4C69-A4EE-81B41F25E782}"/>
+                <a16:creationId xmlns:a16="http://schemas.microsoft.com/office/drawing/2014/main" xmlns="" id="{E0B42FBD-2991-4C69-A4EE-81B41F25E782}"/>
               </a:ext>
             </a:extLst>
           </p:cNvPr>
@@ -7211,7 +7222,7 @@
     </p:spTree>
     <p:extLst>
       <p:ext uri="{BB962C8B-B14F-4D97-AF65-F5344CB8AC3E}">
-        <p14:creationId xmlns:p14="http://schemas.microsoft.com/office/powerpoint/2010/main" val="1846713858"/>
+        <p14:creationId xmlns:p14="http://schemas.microsoft.com/office/powerpoint/2010/main" xmlns="" val="1846713858"/>
       </p:ext>
     </p:extLst>
   </p:cSld>
@@ -7276,7 +7287,7 @@
           <p:cNvPr id="3" name="Рисунок 2">
             <a:extLst>
               <a:ext uri="{FF2B5EF4-FFF2-40B4-BE49-F238E27FC236}">
-                <a16:creationId xmlns:a16="http://schemas.microsoft.com/office/drawing/2014/main" id="{D51E28F5-9F5D-44B0-8B06-51CFEDB2F517}"/>
+                <a16:creationId xmlns:a16="http://schemas.microsoft.com/office/drawing/2014/main" xmlns="" id="{D51E28F5-9F5D-44B0-8B06-51CFEDB2F517}"/>
               </a:ext>
             </a:extLst>
           </p:cNvPr>
@@ -7304,7 +7315,7 @@
     </p:spTree>
     <p:extLst>
       <p:ext uri="{BB962C8B-B14F-4D97-AF65-F5344CB8AC3E}">
-        <p14:creationId xmlns:p14="http://schemas.microsoft.com/office/powerpoint/2010/main" val="136933805"/>
+        <p14:creationId xmlns:p14="http://schemas.microsoft.com/office/powerpoint/2010/main" xmlns="" val="136933805"/>
       </p:ext>
     </p:extLst>
   </p:cSld>
@@ -7369,7 +7380,7 @@
           <p:cNvPr id="3" name="Рисунок 2">
             <a:extLst>
               <a:ext uri="{FF2B5EF4-FFF2-40B4-BE49-F238E27FC236}">
-                <a16:creationId xmlns:a16="http://schemas.microsoft.com/office/drawing/2014/main" id="{736DB76C-050D-4FD7-9216-CD7ED1E47FCD}"/>
+                <a16:creationId xmlns:a16="http://schemas.microsoft.com/office/drawing/2014/main" xmlns="" id="{736DB76C-050D-4FD7-9216-CD7ED1E47FCD}"/>
               </a:ext>
             </a:extLst>
           </p:cNvPr>
@@ -7397,7 +7408,7 @@
     </p:spTree>
     <p:extLst>
       <p:ext uri="{BB962C8B-B14F-4D97-AF65-F5344CB8AC3E}">
-        <p14:creationId xmlns:p14="http://schemas.microsoft.com/office/powerpoint/2010/main" val="1329493313"/>
+        <p14:creationId xmlns:p14="http://schemas.microsoft.com/office/powerpoint/2010/main" xmlns="" val="1329493313"/>
       </p:ext>
     </p:extLst>
   </p:cSld>
@@ -7462,7 +7473,7 @@
           <p:cNvPr id="3" name="Рисунок 2">
             <a:extLst>
               <a:ext uri="{FF2B5EF4-FFF2-40B4-BE49-F238E27FC236}">
-                <a16:creationId xmlns:a16="http://schemas.microsoft.com/office/drawing/2014/main" id="{C401DEDF-5617-4BBC-8DD6-A69255AE6E6E}"/>
+                <a16:creationId xmlns:a16="http://schemas.microsoft.com/office/drawing/2014/main" xmlns="" id="{C401DEDF-5617-4BBC-8DD6-A69255AE6E6E}"/>
               </a:ext>
             </a:extLst>
           </p:cNvPr>
@@ -7490,7 +7501,7 @@
     </p:spTree>
     <p:extLst>
       <p:ext uri="{BB962C8B-B14F-4D97-AF65-F5344CB8AC3E}">
-        <p14:creationId xmlns:p14="http://schemas.microsoft.com/office/powerpoint/2010/main" val="734920026"/>
+        <p14:creationId xmlns:p14="http://schemas.microsoft.com/office/powerpoint/2010/main" xmlns="" val="734920026"/>
       </p:ext>
     </p:extLst>
   </p:cSld>
@@ -7711,7 +7722,7 @@
     </p:spTree>
     <p:extLst>
       <p:ext uri="{BB962C8B-B14F-4D97-AF65-F5344CB8AC3E}">
-        <p14:creationId xmlns:p14="http://schemas.microsoft.com/office/powerpoint/2010/main" val="159788202"/>
+        <p14:creationId xmlns:p14="http://schemas.microsoft.com/office/powerpoint/2010/main" xmlns="" val="159788202"/>
       </p:ext>
     </p:extLst>
   </p:cSld>
@@ -7776,7 +7787,7 @@
           <p:cNvPr id="3" name="Рисунок 2">
             <a:extLst>
               <a:ext uri="{FF2B5EF4-FFF2-40B4-BE49-F238E27FC236}">
-                <a16:creationId xmlns:a16="http://schemas.microsoft.com/office/drawing/2014/main" id="{8BA2630F-FD23-4396-865F-48773745DF69}"/>
+                <a16:creationId xmlns:a16="http://schemas.microsoft.com/office/drawing/2014/main" xmlns="" id="{8BA2630F-FD23-4396-865F-48773745DF69}"/>
               </a:ext>
             </a:extLst>
           </p:cNvPr>
@@ -7804,7 +7815,7 @@
     </p:spTree>
     <p:extLst>
       <p:ext uri="{BB962C8B-B14F-4D97-AF65-F5344CB8AC3E}">
-        <p14:creationId xmlns:p14="http://schemas.microsoft.com/office/powerpoint/2010/main" val="3607326212"/>
+        <p14:creationId xmlns:p14="http://schemas.microsoft.com/office/powerpoint/2010/main" xmlns="" val="3607326212"/>
       </p:ext>
     </p:extLst>
   </p:cSld>
@@ -7869,7 +7880,7 @@
           <p:cNvPr id="5" name="Рисунок 4">
             <a:extLst>
               <a:ext uri="{FF2B5EF4-FFF2-40B4-BE49-F238E27FC236}">
-                <a16:creationId xmlns:a16="http://schemas.microsoft.com/office/drawing/2014/main" id="{E260A34F-5641-4148-B4A0-2B81C40E1657}"/>
+                <a16:creationId xmlns:a16="http://schemas.microsoft.com/office/drawing/2014/main" xmlns="" id="{E260A34F-5641-4148-B4A0-2B81C40E1657}"/>
               </a:ext>
             </a:extLst>
           </p:cNvPr>
@@ -7897,7 +7908,7 @@
     </p:spTree>
     <p:extLst>
       <p:ext uri="{BB962C8B-B14F-4D97-AF65-F5344CB8AC3E}">
-        <p14:creationId xmlns:p14="http://schemas.microsoft.com/office/powerpoint/2010/main" val="2853415492"/>
+        <p14:creationId xmlns:p14="http://schemas.microsoft.com/office/powerpoint/2010/main" xmlns="" val="2853415492"/>
       </p:ext>
     </p:extLst>
   </p:cSld>
@@ -7962,7 +7973,7 @@
           <p:cNvPr id="3" name="Рисунок 2">
             <a:extLst>
               <a:ext uri="{FF2B5EF4-FFF2-40B4-BE49-F238E27FC236}">
-                <a16:creationId xmlns:a16="http://schemas.microsoft.com/office/drawing/2014/main" id="{2A43E195-BECA-458B-9152-4F52E766C8F2}"/>
+                <a16:creationId xmlns:a16="http://schemas.microsoft.com/office/drawing/2014/main" xmlns="" id="{2A43E195-BECA-458B-9152-4F52E766C8F2}"/>
               </a:ext>
             </a:extLst>
           </p:cNvPr>
@@ -7990,7 +8001,7 @@
     </p:spTree>
     <p:extLst>
       <p:ext uri="{BB962C8B-B14F-4D97-AF65-F5344CB8AC3E}">
-        <p14:creationId xmlns:p14="http://schemas.microsoft.com/office/powerpoint/2010/main" val="3741646392"/>
+        <p14:creationId xmlns:p14="http://schemas.microsoft.com/office/powerpoint/2010/main" xmlns="" val="3741646392"/>
       </p:ext>
     </p:extLst>
   </p:cSld>
@@ -8062,7 +8073,7 @@
         </p:nvSpPr>
         <p:spPr>
           <a:xfrm>
-            <a:off x="271177" y="1100957"/>
+            <a:off x="285031" y="726884"/>
             <a:ext cx="7427200" cy="4755881"/>
           </a:xfrm>
         </p:spPr>
@@ -8072,7 +8083,13 @@
           </a:bodyPr>
           <a:lstStyle/>
           <a:p>
-            <a:pPr marL="0" indent="0" algn="just">
+            <a:pPr indent="450215" algn="just">
+              <a:lnSpc>
+                <a:spcPct val="150000"/>
+              </a:lnSpc>
+              <a:spcAft>
+                <a:spcPts val="0"/>
+              </a:spcAft>
               <a:buNone/>
             </a:pPr>
             <a:r>
@@ -8085,16 +8102,117 @@
               </a:rPr>
               <a:t>	</a:t>
             </a:r>
-            <a:r>
-              <a:rPr lang="ru-RU" sz="1600" dirty="0">
+            <a:endParaRPr lang="ru-RU" sz="1600" dirty="0" smtClean="0">
+              <a:solidFill>
+                <a:schemeClr val="tx1"/>
+              </a:solidFill>
+              <a:latin typeface="Times New Roman" panose="02020603050405020304" pitchFamily="18" charset="0"/>
+              <a:cs typeface="Times New Roman" panose="02020603050405020304" pitchFamily="18" charset="0"/>
+            </a:endParaRPr>
+          </a:p>
+          <a:p>
+            <a:pPr indent="450215" algn="just">
+              <a:lnSpc>
+                <a:spcPct val="150000"/>
+              </a:lnSpc>
+              <a:spcAft>
+                <a:spcPts val="0"/>
+              </a:spcAft>
+              <a:buNone/>
+            </a:pPr>
+            <a:endParaRPr lang="ru-RU" sz="1600" dirty="0" smtClean="0">
+              <a:solidFill>
+                <a:schemeClr val="tx1"/>
+              </a:solidFill>
+              <a:latin typeface="Times New Roman" panose="02020603050405020304" pitchFamily="18" charset="0"/>
+              <a:cs typeface="Times New Roman" panose="02020603050405020304" pitchFamily="18" charset="0"/>
+            </a:endParaRPr>
+          </a:p>
+          <a:p>
+            <a:pPr indent="450215" algn="just">
+              <a:lnSpc>
+                <a:spcPct val="150000"/>
+              </a:lnSpc>
+              <a:spcAft>
+                <a:spcPts val="0"/>
+              </a:spcAft>
+              <a:buNone/>
+            </a:pPr>
+            <a:endParaRPr lang="ru-RU" sz="1600" dirty="0" smtClean="0">
+              <a:solidFill>
+                <a:schemeClr val="tx1"/>
+              </a:solidFill>
+              <a:latin typeface="Times New Roman" panose="02020603050405020304" pitchFamily="18" charset="0"/>
+              <a:cs typeface="Times New Roman" panose="02020603050405020304" pitchFamily="18" charset="0"/>
+            </a:endParaRPr>
+          </a:p>
+          <a:p>
+            <a:pPr indent="450215" algn="just">
+              <a:lnSpc>
+                <a:spcPct val="150000"/>
+              </a:lnSpc>
+              <a:spcAft>
+                <a:spcPts val="0"/>
+              </a:spcAft>
+              <a:buNone/>
+            </a:pPr>
+            <a:r>
+              <a:rPr lang="ru-RU" sz="1600" dirty="0" smtClean="0">
                 <a:solidFill>
                   <a:schemeClr val="tx1"/>
                 </a:solidFill>
                 <a:latin typeface="Times New Roman" panose="02020603050405020304" pitchFamily="18" charset="0"/>
                 <a:cs typeface="Times New Roman" panose="02020603050405020304" pitchFamily="18" charset="0"/>
               </a:rPr>
-              <a:t>В ходе выполнение курсового проекта была разработана автоматизированная информационная система по ведению базы данных расчета и учета оплаты ЖКХ. Автоматизированная информационная система предназначена для оптимизации работы типографии, за счет облегчения оформления заказов, ведения учета материалов и заказов, а также оформления отчета продаж и отчета расхода материалов за выбранный промежуток времени.</a:t>
-            </a:r>
+              <a:t>В </a:t>
+            </a:r>
+            <a:r>
+              <a:rPr lang="ru-RU" sz="1600" dirty="0">
+                <a:solidFill>
+                  <a:schemeClr val="tx1"/>
+                </a:solidFill>
+                <a:latin typeface="Times New Roman" panose="02020603050405020304" pitchFamily="18" charset="0"/>
+                <a:cs typeface="Times New Roman" panose="02020603050405020304" pitchFamily="18" charset="0"/>
+              </a:rPr>
+              <a:t>ходе выполнение курсового проекта была разработана автоматизированная информационная система по ведению базы данных расчета и учета оплаты ЖКХ. </a:t>
+            </a:r>
+            <a:r>
+              <a:rPr lang="ru-RU" sz="1600" dirty="0" smtClean="0">
+                <a:solidFill>
+                  <a:schemeClr val="tx1"/>
+                </a:solidFill>
+                <a:latin typeface="Times New Roman"/>
+                <a:ea typeface="Times New Roman"/>
+              </a:rPr>
+              <a:t>Автоматизированная информационная система предназначена для оптимизации работы диспетчера ЖКХ, за счёт облегчения заполнения данных, ведения учёта оплаченных и </a:t>
+            </a:r>
+            <a:r>
+              <a:rPr lang="ru-RU" sz="1600" dirty="0" smtClean="0">
+                <a:solidFill>
+                  <a:schemeClr val="tx1"/>
+                </a:solidFill>
+                <a:latin typeface="Times New Roman"/>
+                <a:ea typeface="Times New Roman"/>
+              </a:rPr>
+              <a:t>неоплаченных счетов</a:t>
+            </a:r>
+            <a:r>
+              <a:rPr lang="ru-RU" sz="1600" dirty="0" smtClean="0">
+                <a:solidFill>
+                  <a:schemeClr val="tx1"/>
+                </a:solidFill>
+                <a:latin typeface="Times New Roman"/>
+                <a:ea typeface="Times New Roman"/>
+              </a:rPr>
+              <a:t>, отчёт за выбранный период времени. </a:t>
+            </a:r>
+            <a:endParaRPr lang="ru-RU" sz="1600" dirty="0">
+              <a:solidFill>
+                <a:schemeClr val="tx1"/>
+              </a:solidFill>
+              <a:latin typeface="Times New Roman" panose="02020603050405020304" pitchFamily="18" charset="0"/>
+              <a:cs typeface="Times New Roman" panose="02020603050405020304" pitchFamily="18" charset="0"/>
+            </a:endParaRPr>
           </a:p>
           <a:p>
             <a:pPr marL="0" indent="0" algn="just">
@@ -8219,7 +8337,29 @@
                 <a:latin typeface="Times New Roman" panose="02020603050405020304" pitchFamily="18" charset="0"/>
                 <a:ea typeface="Times New Roman" panose="02020603050405020304" pitchFamily="18" charset="0"/>
               </a:rPr>
-              <a:t>возможность ввода нового тарифа ЖКХ.</a:t>
+              <a:t>возможность ввода нового тарифа </a:t>
+            </a:r>
+            <a:r>
+              <a:rPr lang="ru-RU" dirty="0" smtClean="0">
+                <a:solidFill>
+                  <a:schemeClr val="tx1"/>
+                </a:solidFill>
+                <a:effectLst/>
+                <a:latin typeface="Times New Roman" panose="02020603050405020304" pitchFamily="18" charset="0"/>
+                <a:ea typeface="Times New Roman" panose="02020603050405020304" pitchFamily="18" charset="0"/>
+              </a:rPr>
+              <a:t>ЖКХ</a:t>
+            </a:r>
+            <a:r>
+              <a:rPr lang="en-US" dirty="0" smtClean="0">
+                <a:solidFill>
+                  <a:schemeClr val="tx1"/>
+                </a:solidFill>
+                <a:effectLst/>
+                <a:latin typeface="Times New Roman" panose="02020603050405020304" pitchFamily="18" charset="0"/>
+                <a:ea typeface="Times New Roman" panose="02020603050405020304" pitchFamily="18" charset="0"/>
+              </a:rPr>
+              <a:t>;</a:t>
             </a:r>
             <a:endParaRPr lang="ru-RU" dirty="0">
               <a:solidFill>
@@ -8239,20 +8379,67 @@
                 <a:latin typeface="Times New Roman" panose="02020603050405020304" pitchFamily="18" charset="0"/>
                 <a:cs typeface="Times New Roman" panose="02020603050405020304" pitchFamily="18" charset="0"/>
               </a:rPr>
-              <a:t>расчет стоимости оплаты ЖКХ за месяц</a:t>
-            </a:r>
-          </a:p>
-          <a:p>
-            <a:pPr marL="0" lvl="2" indent="450000" algn="just"/>
-            <a:r>
-              <a:rPr lang="ru-RU" dirty="0">
+              <a:t>расчет стоимости оплаты ЖКХ за </a:t>
+            </a:r>
+            <a:r>
+              <a:rPr lang="ru-RU" dirty="0" smtClean="0">
                 <a:solidFill>
                   <a:schemeClr val="tx1"/>
                 </a:solidFill>
                 <a:latin typeface="Times New Roman" panose="02020603050405020304" pitchFamily="18" charset="0"/>
                 <a:cs typeface="Times New Roman" panose="02020603050405020304" pitchFamily="18" charset="0"/>
               </a:rPr>
-              <a:t>резервное копирование БД</a:t>
+              <a:t>месяц</a:t>
+            </a:r>
+            <a:r>
+              <a:rPr lang="en-US" dirty="0" smtClean="0">
+                <a:solidFill>
+                  <a:schemeClr val="tx1"/>
+                </a:solidFill>
+                <a:latin typeface="Times New Roman" panose="02020603050405020304" pitchFamily="18" charset="0"/>
+                <a:cs typeface="Times New Roman" panose="02020603050405020304" pitchFamily="18" charset="0"/>
+              </a:rPr>
+              <a:t>;</a:t>
+            </a:r>
+            <a:endParaRPr lang="ru-RU" dirty="0">
+              <a:solidFill>
+                <a:schemeClr val="tx1"/>
+              </a:solidFill>
+              <a:latin typeface="Times New Roman" panose="02020603050405020304" pitchFamily="18" charset="0"/>
+              <a:cs typeface="Times New Roman" panose="02020603050405020304" pitchFamily="18" charset="0"/>
+            </a:endParaRPr>
+          </a:p>
+          <a:p>
+            <a:pPr marL="0" lvl="2" indent="450000" algn="just"/>
+            <a:r>
+              <a:rPr lang="ru-RU" dirty="0">
+                <a:solidFill>
+                  <a:schemeClr val="tx1"/>
+                </a:solidFill>
+                <a:latin typeface="Times New Roman" panose="02020603050405020304" pitchFamily="18" charset="0"/>
+                <a:cs typeface="Times New Roman" panose="02020603050405020304" pitchFamily="18" charset="0"/>
+              </a:rPr>
+              <a:t>резервное копирование </a:t>
+            </a:r>
+            <a:r>
+              <a:rPr lang="ru-RU" dirty="0" smtClean="0">
+                <a:solidFill>
+                  <a:schemeClr val="tx1"/>
+                </a:solidFill>
+                <a:latin typeface="Times New Roman" panose="02020603050405020304" pitchFamily="18" charset="0"/>
+                <a:cs typeface="Times New Roman" panose="02020603050405020304" pitchFamily="18" charset="0"/>
+              </a:rPr>
+              <a:t>БД</a:t>
+            </a:r>
+            <a:r>
+              <a:rPr lang="en-US" dirty="0" smtClean="0">
+                <a:solidFill>
+                  <a:schemeClr val="tx1"/>
+                </a:solidFill>
+                <a:latin typeface="Times New Roman" panose="02020603050405020304" pitchFamily="18" charset="0"/>
+                <a:cs typeface="Times New Roman" panose="02020603050405020304" pitchFamily="18" charset="0"/>
+              </a:rPr>
+              <a:t>.</a:t>
             </a:r>
             <a:endParaRPr lang="en-US" dirty="0">
               <a:solidFill>
@@ -8309,7 +8496,7 @@
     </p:spTree>
     <p:extLst>
       <p:ext uri="{BB962C8B-B14F-4D97-AF65-F5344CB8AC3E}">
-        <p14:creationId xmlns:p14="http://schemas.microsoft.com/office/powerpoint/2010/main" val="4134521495"/>
+        <p14:creationId xmlns:p14="http://schemas.microsoft.com/office/powerpoint/2010/main" xmlns="" val="4134521495"/>
       </p:ext>
     </p:extLst>
   </p:cSld>
@@ -8417,7 +8604,7 @@
     </p:spTree>
     <p:extLst>
       <p:ext uri="{BB962C8B-B14F-4D97-AF65-F5344CB8AC3E}">
-        <p14:creationId xmlns:p14="http://schemas.microsoft.com/office/powerpoint/2010/main" val="1110813844"/>
+        <p14:creationId xmlns:p14="http://schemas.microsoft.com/office/powerpoint/2010/main" xmlns="" val="1110813844"/>
       </p:ext>
     </p:extLst>
   </p:cSld>
@@ -8728,7 +8915,7 @@
     </p:spTree>
     <p:extLst>
       <p:ext uri="{BB962C8B-B14F-4D97-AF65-F5344CB8AC3E}">
-        <p14:creationId xmlns:p14="http://schemas.microsoft.com/office/powerpoint/2010/main" val="2711522825"/>
+        <p14:creationId xmlns:p14="http://schemas.microsoft.com/office/powerpoint/2010/main" xmlns="" val="2711522825"/>
       </p:ext>
     </p:extLst>
   </p:cSld>
@@ -8970,7 +9157,7 @@
     </p:spTree>
     <p:extLst>
       <p:ext uri="{BB962C8B-B14F-4D97-AF65-F5344CB8AC3E}">
-        <p14:creationId xmlns:p14="http://schemas.microsoft.com/office/powerpoint/2010/main" val="1382613824"/>
+        <p14:creationId xmlns:p14="http://schemas.microsoft.com/office/powerpoint/2010/main" xmlns="" val="1382613824"/>
       </p:ext>
     </p:extLst>
   </p:cSld>
@@ -9196,7 +9383,7 @@
     </p:spTree>
     <p:extLst>
       <p:ext uri="{BB962C8B-B14F-4D97-AF65-F5344CB8AC3E}">
-        <p14:creationId xmlns:p14="http://schemas.microsoft.com/office/powerpoint/2010/main" val="2465295014"/>
+        <p14:creationId xmlns:p14="http://schemas.microsoft.com/office/powerpoint/2010/main" xmlns="" val="2465295014"/>
       </p:ext>
     </p:extLst>
   </p:cSld>
@@ -9336,7 +9523,7 @@
     </p:spTree>
     <p:extLst>
       <p:ext uri="{BB962C8B-B14F-4D97-AF65-F5344CB8AC3E}">
-        <p14:creationId xmlns:p14="http://schemas.microsoft.com/office/powerpoint/2010/main" val="994663989"/>
+        <p14:creationId xmlns:p14="http://schemas.microsoft.com/office/powerpoint/2010/main" xmlns="" val="994663989"/>
       </p:ext>
     </p:extLst>
   </p:cSld>
@@ -9572,7 +9759,7 @@
     </p:spTree>
     <p:extLst>
       <p:ext uri="{BB962C8B-B14F-4D97-AF65-F5344CB8AC3E}">
-        <p14:creationId xmlns:p14="http://schemas.microsoft.com/office/powerpoint/2010/main" val="871070072"/>
+        <p14:creationId xmlns:p14="http://schemas.microsoft.com/office/powerpoint/2010/main" xmlns="" val="871070072"/>
       </p:ext>
     </p:extLst>
   </p:cSld>
@@ -9655,14 +9842,14 @@
           <a:effectLst/>
           <a:extLst>
             <a:ext uri="{909E8E84-426E-40DD-AFC4-6F175D3DCCD1}">
-              <a14:hiddenFill xmlns:a14="http://schemas.microsoft.com/office/drawing/2010/main">
+              <a14:hiddenFill xmlns:a14="http://schemas.microsoft.com/office/drawing/2010/main" xmlns="">
                 <a:solidFill>
                   <a:schemeClr val="accent1"/>
                 </a:solidFill>
               </a14:hiddenFill>
             </a:ext>
             <a:ext uri="{91240B29-F687-4F45-9708-019B960494DF}">
-              <a14:hiddenLine xmlns:a14="http://schemas.microsoft.com/office/drawing/2010/main" w="9525">
+              <a14:hiddenLine xmlns:a14="http://schemas.microsoft.com/office/drawing/2010/main" xmlns="" w="9525">
                 <a:solidFill>
                   <a:schemeClr val="tx1"/>
                 </a:solidFill>
@@ -9672,7 +9859,7 @@
               </a14:hiddenLine>
             </a:ext>
             <a:ext uri="{AF507438-7753-43E0-B8FC-AC1667EBCBE1}">
-              <a14:hiddenEffects xmlns:a14="http://schemas.microsoft.com/office/drawing/2010/main">
+              <a14:hiddenEffects xmlns:a14="http://schemas.microsoft.com/office/drawing/2010/main" xmlns="">
                 <a:effectLst>
                   <a:outerShdw dist="35921" dir="2700000" algn="ctr" rotWithShape="0">
                     <a:schemeClr val="bg2"/>
@@ -9700,7 +9887,7 @@
           <p:cNvPr id="6" name="Рисунок 5">
             <a:extLst>
               <a:ext uri="{FF2B5EF4-FFF2-40B4-BE49-F238E27FC236}">
-                <a16:creationId xmlns:a16="http://schemas.microsoft.com/office/drawing/2014/main" id="{2F283732-1386-409D-A9CD-18621CB2622C}"/>
+                <a16:creationId xmlns:a16="http://schemas.microsoft.com/office/drawing/2014/main" xmlns="" id="{2F283732-1386-409D-A9CD-18621CB2622C}"/>
               </a:ext>
             </a:extLst>
           </p:cNvPr>
@@ -9734,7 +9921,7 @@
     </p:spTree>
     <p:extLst>
       <p:ext uri="{BB962C8B-B14F-4D97-AF65-F5344CB8AC3E}">
-        <p14:creationId xmlns:p14="http://schemas.microsoft.com/office/powerpoint/2010/main" val="4228704245"/>
+        <p14:creationId xmlns:p14="http://schemas.microsoft.com/office/powerpoint/2010/main" xmlns="" val="4228704245"/>
       </p:ext>
     </p:extLst>
   </p:cSld>
@@ -9787,7 +9974,7 @@
     </a:clrScheme>
     <a:fontScheme name="Сектор">
       <a:majorFont>
-        <a:latin typeface="Century Gothic" panose="020B0502020202020204"/>
+        <a:latin typeface="Century Gothic"/>
         <a:ea typeface=""/>
         <a:cs typeface=""/>
         <a:font script="Jpan" typeface="メイリオ"/>
@@ -9822,7 +10009,7 @@
         <a:font script="Geor" typeface="Sylfaen"/>
       </a:majorFont>
       <a:minorFont>
-        <a:latin typeface="Century Gothic" panose="020B0502020202020204"/>
+        <a:latin typeface="Century Gothic"/>
         <a:ea typeface=""/>
         <a:cs typeface=""/>
         <a:font script="Jpan" typeface="メイリオ"/>
@@ -10014,7 +10201,7 @@
   <a:extraClrSchemeLst/>
   <a:extLst>
     <a:ext uri="{05A4C25C-085E-4340-85A3-A5531E510DB2}">
-      <thm15:themeFamily xmlns:thm15="http://schemas.microsoft.com/office/thememl/2012/main" name="Slice" id="{0507925B-6AC9-4358-8E18-C330545D08F8}" vid="{282EB108-EDE6-4B8E-957B-D4A69BF580EA}"/>
+      <thm15:themeFamily xmlns:thm15="http://schemas.microsoft.com/office/thememl/2012/main" xmlns="" name="Slice" id="{0507925B-6AC9-4358-8E18-C330545D08F8}" vid="{282EB108-EDE6-4B8E-957B-D4A69BF580EA}"/>
     </a:ext>
   </a:extLst>
 </a:theme>
@@ -10275,7 +10462,7 @@
   <a:extraClrSchemeLst/>
   <a:extLst>
     <a:ext uri="{05A4C25C-085E-4340-85A3-A5531E510DB2}">
-      <thm15:themeFamily xmlns:thm15="http://schemas.microsoft.com/office/thememl/2012/main" name="Office Theme" id="{62F939B6-93AF-4DB8-9C6B-D6C7DFDC589F}" vid="{4A3C46E8-61CC-4603-A589-7422A47A8E4A}"/>
+      <thm15:themeFamily xmlns:thm15="http://schemas.microsoft.com/office/thememl/2012/main" xmlns="" name="Office Theme" id="{62F939B6-93AF-4DB8-9C6B-D6C7DFDC589F}" vid="{4A3C46E8-61CC-4603-A589-7422A47A8E4A}"/>
     </a:ext>
   </a:extLst>
 </a:theme>
